--- a/thurs_27796_christine_plsql.pptx
+++ b/thurs_27796_christine_plsql.pptx
@@ -1,13 +1,18 @@
 
 <file path=ppt/presentation.xml><?xml version="1.0" encoding="utf-8"?>
-<p:presentation xmlns:a="http://schemas.openxmlformats.org/drawingml/2006/main" xmlns:r="http://schemas.openxmlformats.org/officeDocument/2006/relationships" xmlns:p="http://schemas.openxmlformats.org/presentationml/2006/main" saveSubsetFonts="1">
+<p:presentation xmlns:a="http://schemas.openxmlformats.org/drawingml/2006/main" xmlns:r="http://schemas.openxmlformats.org/officeDocument/2006/relationships" xmlns:p="http://schemas.openxmlformats.org/presentationml/2006/main">
   <p:sldMasterIdLst>
-    <p:sldMasterId id="2147483684" r:id="rId1"/>
+    <p:sldMasterId id="2147483648" r:id="rId1"/>
   </p:sldMasterIdLst>
   <p:sldIdLst>
-    <p:sldId id="259" r:id="rId2"/>
-    <p:sldId id="260" r:id="rId3"/>
-    <p:sldId id="261" r:id="rId4"/>
+    <p:sldId id="259" r:id="rId3"/>
+    <p:sldId id="260" r:id="rId4"/>
+    <p:sldId id="261" r:id="rId5"/>
+    <p:sldId id="262" r:id="rId6"/>
+    <p:sldId id="264" r:id="rId7"/>
+    <p:sldId id="267" r:id="rId8"/>
+    <p:sldId id="265" r:id="rId9"/>
+    <p:sldId id="266" r:id="rId10"/>
   </p:sldIdLst>
   <p:sldSz cx="12192000" cy="6858000"/>
   <p:notesSz cx="6858000" cy="9144000"/>
@@ -106,11 +111,6 @@
       </a:defRPr>
     </a:lvl9pPr>
   </p:defaultTextStyle>
-  <p:extLst>
-    <p:ext uri="{EFAFB233-063F-42B5-8137-9DF3F51BA10A}">
-      <p15:sldGuideLst xmlns:p15="http://schemas.microsoft.com/office/powerpoint/2012/main"/>
-    </p:ext>
-  </p:extLst>
 </p:presentation>
 </file>
 
@@ -338,7 +338,6 @@
           <a:p>
             <a:fld id="{25A20674-BC4C-4D26-92D1-03A3A101A682}" type="datetimeFigureOut">
               <a:rPr lang="en-US" smtClean="0"/>
-              <a:t>3/26/2025</a:t>
             </a:fld>
             <a:endParaRPr lang="en-US"/>
           </a:p>
@@ -390,18 +389,12 @@
           <a:p>
             <a:fld id="{C47A4662-A707-4C69-99DB-F923586C22A9}" type="slidenum">
               <a:rPr lang="en-US" smtClean="0"/>
-              <a:t>‹#›</a:t>
             </a:fld>
             <a:endParaRPr lang="en-US"/>
           </a:p>
         </p:txBody>
       </p:sp>
     </p:spTree>
-    <p:extLst>
-      <p:ext uri="{BB962C8B-B14F-4D97-AF65-F5344CB8AC3E}">
-        <p14:creationId xmlns:p14="http://schemas.microsoft.com/office/powerpoint/2010/main" val="941168255"/>
-      </p:ext>
-    </p:extLst>
   </p:cSld>
   <p:clrMapOvr>
     <a:masterClrMapping/>
@@ -652,6 +645,7 @@
               <a:rPr lang="en-US"/>
               <a:t>Click to edit Master text styles</a:t>
             </a:r>
+            <a:endParaRPr lang="en-US"/>
           </a:p>
         </p:txBody>
       </p:sp>
@@ -672,7 +666,6 @@
           <a:p>
             <a:fld id="{25A20674-BC4C-4D26-92D1-03A3A101A682}" type="datetimeFigureOut">
               <a:rPr lang="en-US" smtClean="0"/>
-              <a:t>3/26/2025</a:t>
             </a:fld>
             <a:endParaRPr lang="en-US"/>
           </a:p>
@@ -714,18 +707,12 @@
           <a:p>
             <a:fld id="{C47A4662-A707-4C69-99DB-F923586C22A9}" type="slidenum">
               <a:rPr lang="en-US" smtClean="0"/>
-              <a:t>‹#›</a:t>
             </a:fld>
             <a:endParaRPr lang="en-US"/>
           </a:p>
         </p:txBody>
       </p:sp>
     </p:spTree>
-    <p:extLst>
-      <p:ext uri="{BB962C8B-B14F-4D97-AF65-F5344CB8AC3E}">
-        <p14:creationId xmlns:p14="http://schemas.microsoft.com/office/powerpoint/2010/main" val="2643909085"/>
-      </p:ext>
-    </p:extLst>
   </p:cSld>
   <p:clrMapOvr>
     <a:masterClrMapping/>
@@ -930,6 +917,7 @@
               <a:rPr lang="en-US"/>
               <a:t>Click to edit Master text styles</a:t>
             </a:r>
+            <a:endParaRPr lang="en-US"/>
           </a:p>
         </p:txBody>
       </p:sp>
@@ -950,7 +938,6 @@
           <a:p>
             <a:fld id="{25A20674-BC4C-4D26-92D1-03A3A101A682}" type="datetimeFigureOut">
               <a:rPr lang="en-US" smtClean="0"/>
-              <a:t>3/26/2025</a:t>
             </a:fld>
             <a:endParaRPr lang="en-US"/>
           </a:p>
@@ -992,18 +979,12 @@
           <a:p>
             <a:fld id="{C47A4662-A707-4C69-99DB-F923586C22A9}" type="slidenum">
               <a:rPr lang="en-US" smtClean="0"/>
-              <a:t>‹#›</a:t>
             </a:fld>
             <a:endParaRPr lang="en-US"/>
           </a:p>
         </p:txBody>
       </p:sp>
     </p:spTree>
-    <p:extLst>
-      <p:ext uri="{BB962C8B-B14F-4D97-AF65-F5344CB8AC3E}">
-        <p14:creationId xmlns:p14="http://schemas.microsoft.com/office/powerpoint/2010/main" val="1962331057"/>
-      </p:ext>
-    </p:extLst>
   </p:cSld>
   <p:clrMapOvr>
     <a:masterClrMapping/>
@@ -1171,6 +1152,12 @@
               </a:rPr>
               <a:t>”</a:t>
             </a:r>
+            <a:endParaRPr lang="en-US" sz="8000" dirty="0">
+              <a:solidFill>
+                <a:schemeClr val="tx1"/>
+              </a:solidFill>
+              <a:effectLst/>
+            </a:endParaRPr>
           </a:p>
         </p:txBody>
       </p:sp>
@@ -1287,6 +1274,12 @@
               </a:rPr>
               <a:t>“</a:t>
             </a:r>
+            <a:endParaRPr lang="en-US" sz="8000" dirty="0">
+              <a:solidFill>
+                <a:schemeClr val="tx1"/>
+              </a:solidFill>
+              <a:effectLst/>
+            </a:endParaRPr>
           </a:p>
         </p:txBody>
       </p:sp>
@@ -1379,6 +1372,7 @@
               <a:rPr lang="en-US"/>
               <a:t>Click to edit Master text styles</a:t>
             </a:r>
+            <a:endParaRPr lang="en-US"/>
           </a:p>
         </p:txBody>
       </p:sp>
@@ -1498,6 +1492,7 @@
               <a:rPr lang="en-US"/>
               <a:t>Click to edit Master text styles</a:t>
             </a:r>
+            <a:endParaRPr lang="en-US"/>
           </a:p>
         </p:txBody>
       </p:sp>
@@ -1518,7 +1513,6 @@
           <a:p>
             <a:fld id="{25A20674-BC4C-4D26-92D1-03A3A101A682}" type="datetimeFigureOut">
               <a:rPr lang="en-US" smtClean="0"/>
-              <a:t>3/26/2025</a:t>
             </a:fld>
             <a:endParaRPr lang="en-US"/>
           </a:p>
@@ -1560,18 +1554,12 @@
           <a:p>
             <a:fld id="{C47A4662-A707-4C69-99DB-F923586C22A9}" type="slidenum">
               <a:rPr lang="en-US" smtClean="0"/>
-              <a:t>‹#›</a:t>
             </a:fld>
             <a:endParaRPr lang="en-US"/>
           </a:p>
         </p:txBody>
       </p:sp>
     </p:spTree>
-    <p:extLst>
-      <p:ext uri="{BB962C8B-B14F-4D97-AF65-F5344CB8AC3E}">
-        <p14:creationId xmlns:p14="http://schemas.microsoft.com/office/powerpoint/2010/main" val="1279043904"/>
-      </p:ext>
-    </p:extLst>
   </p:cSld>
   <p:clrMapOvr>
     <a:masterClrMapping/>
@@ -1776,6 +1764,7 @@
               <a:rPr lang="en-US"/>
               <a:t>Click to edit Master text styles</a:t>
             </a:r>
+            <a:endParaRPr lang="en-US"/>
           </a:p>
         </p:txBody>
       </p:sp>
@@ -1796,7 +1785,6 @@
           <a:p>
             <a:fld id="{25A20674-BC4C-4D26-92D1-03A3A101A682}" type="datetimeFigureOut">
               <a:rPr lang="en-US" smtClean="0"/>
-              <a:t>3/26/2025</a:t>
             </a:fld>
             <a:endParaRPr lang="en-US"/>
           </a:p>
@@ -1838,18 +1826,12 @@
           <a:p>
             <a:fld id="{C47A4662-A707-4C69-99DB-F923586C22A9}" type="slidenum">
               <a:rPr lang="en-US" smtClean="0"/>
-              <a:t>‹#›</a:t>
             </a:fld>
             <a:endParaRPr lang="en-US"/>
           </a:p>
         </p:txBody>
       </p:sp>
     </p:spTree>
-    <p:extLst>
-      <p:ext uri="{BB962C8B-B14F-4D97-AF65-F5344CB8AC3E}">
-        <p14:creationId xmlns:p14="http://schemas.microsoft.com/office/powerpoint/2010/main" val="2002015407"/>
-      </p:ext>
-    </p:extLst>
   </p:cSld>
   <p:clrMapOvr>
     <a:masterClrMapping/>
@@ -2017,6 +1999,12 @@
               </a:rPr>
               <a:t>”</a:t>
             </a:r>
+            <a:endParaRPr lang="en-US" sz="8000" dirty="0">
+              <a:solidFill>
+                <a:schemeClr val="tx1"/>
+              </a:solidFill>
+              <a:effectLst/>
+            </a:endParaRPr>
           </a:p>
         </p:txBody>
       </p:sp>
@@ -2133,6 +2121,12 @@
               </a:rPr>
               <a:t>“</a:t>
             </a:r>
+            <a:endParaRPr lang="en-US" sz="8000" dirty="0">
+              <a:solidFill>
+                <a:schemeClr val="tx1"/>
+              </a:solidFill>
+              <a:effectLst/>
+            </a:endParaRPr>
           </a:p>
         </p:txBody>
       </p:sp>
@@ -2219,6 +2213,7 @@
               <a:rPr lang="en-US"/>
               <a:t>Click to edit Master text styles</a:t>
             </a:r>
+            <a:endParaRPr lang="en-US"/>
           </a:p>
         </p:txBody>
       </p:sp>
@@ -2338,6 +2333,7 @@
               <a:rPr lang="en-US"/>
               <a:t>Click to edit Master text styles</a:t>
             </a:r>
+            <a:endParaRPr lang="en-US"/>
           </a:p>
         </p:txBody>
       </p:sp>
@@ -2358,7 +2354,6 @@
           <a:p>
             <a:fld id="{25A20674-BC4C-4D26-92D1-03A3A101A682}" type="datetimeFigureOut">
               <a:rPr lang="en-US" smtClean="0"/>
-              <a:t>3/26/2025</a:t>
             </a:fld>
             <a:endParaRPr lang="en-US"/>
           </a:p>
@@ -2400,18 +2395,12 @@
           <a:p>
             <a:fld id="{C47A4662-A707-4C69-99DB-F923586C22A9}" type="slidenum">
               <a:rPr lang="en-US" smtClean="0"/>
-              <a:t>‹#›</a:t>
             </a:fld>
             <a:endParaRPr lang="en-US"/>
           </a:p>
         </p:txBody>
       </p:sp>
     </p:spTree>
-    <p:extLst>
-      <p:ext uri="{BB962C8B-B14F-4D97-AF65-F5344CB8AC3E}">
-        <p14:creationId xmlns:p14="http://schemas.microsoft.com/office/powerpoint/2010/main" val="4225316851"/>
-      </p:ext>
-    </p:extLst>
   </p:cSld>
   <p:clrMapOvr>
     <a:masterClrMapping/>
@@ -2546,6 +2535,7 @@
               <a:rPr lang="en-US"/>
               <a:t>Click to edit Master text styles</a:t>
             </a:r>
+            <a:endParaRPr lang="en-US"/>
           </a:p>
         </p:txBody>
       </p:sp>
@@ -2665,6 +2655,7 @@
               <a:rPr lang="en-US"/>
               <a:t>Click to edit Master text styles</a:t>
             </a:r>
+            <a:endParaRPr lang="en-US"/>
           </a:p>
         </p:txBody>
       </p:sp>
@@ -2685,7 +2676,6 @@
           <a:p>
             <a:fld id="{25A20674-BC4C-4D26-92D1-03A3A101A682}" type="datetimeFigureOut">
               <a:rPr lang="en-US" smtClean="0"/>
-              <a:t>3/26/2025</a:t>
             </a:fld>
             <a:endParaRPr lang="en-US"/>
           </a:p>
@@ -2727,18 +2717,12 @@
           <a:p>
             <a:fld id="{C47A4662-A707-4C69-99DB-F923586C22A9}" type="slidenum">
               <a:rPr lang="en-US" smtClean="0"/>
-              <a:t>‹#›</a:t>
             </a:fld>
             <a:endParaRPr lang="en-US"/>
           </a:p>
         </p:txBody>
       </p:sp>
     </p:spTree>
-    <p:extLst>
-      <p:ext uri="{BB962C8B-B14F-4D97-AF65-F5344CB8AC3E}">
-        <p14:creationId xmlns:p14="http://schemas.microsoft.com/office/powerpoint/2010/main" val="1994121006"/>
-      </p:ext>
-    </p:extLst>
   </p:cSld>
   <p:clrMapOvr>
     <a:masterClrMapping/>
@@ -2813,6 +2797,7 @@
               <a:rPr lang="en-US"/>
               <a:t>Click to edit Master text styles</a:t>
             </a:r>
+            <a:endParaRPr lang="en-US"/>
           </a:p>
           <a:p>
             <a:pPr lvl="1"/>
@@ -2820,6 +2805,7 @@
               <a:rPr lang="en-US"/>
               <a:t>Second level</a:t>
             </a:r>
+            <a:endParaRPr lang="en-US"/>
           </a:p>
           <a:p>
             <a:pPr lvl="2"/>
@@ -2827,6 +2813,7 @@
               <a:rPr lang="en-US"/>
               <a:t>Third level</a:t>
             </a:r>
+            <a:endParaRPr lang="en-US"/>
           </a:p>
           <a:p>
             <a:pPr lvl="3"/>
@@ -2834,6 +2821,7 @@
               <a:rPr lang="en-US"/>
               <a:t>Fourth level</a:t>
             </a:r>
+            <a:endParaRPr lang="en-US"/>
           </a:p>
           <a:p>
             <a:pPr lvl="4"/>
@@ -2862,7 +2850,6 @@
           <a:p>
             <a:fld id="{25A20674-BC4C-4D26-92D1-03A3A101A682}" type="datetimeFigureOut">
               <a:rPr lang="en-US" smtClean="0"/>
-              <a:t>3/26/2025</a:t>
             </a:fld>
             <a:endParaRPr lang="en-US"/>
           </a:p>
@@ -2904,7 +2891,6 @@
           <a:p>
             <a:fld id="{C47A4662-A707-4C69-99DB-F923586C22A9}" type="slidenum">
               <a:rPr lang="en-US" smtClean="0"/>
-              <a:t>‹#›</a:t>
             </a:fld>
             <a:endParaRPr lang="en-US"/>
           </a:p>
@@ -2939,11 +2925,6 @@
         </p:txBody>
       </p:sp>
     </p:spTree>
-    <p:extLst>
-      <p:ext uri="{BB962C8B-B14F-4D97-AF65-F5344CB8AC3E}">
-        <p14:creationId xmlns:p14="http://schemas.microsoft.com/office/powerpoint/2010/main" val="1464373089"/>
-      </p:ext>
-    </p:extLst>
   </p:cSld>
   <p:clrMapOvr>
     <a:masterClrMapping/>
@@ -3051,6 +3032,7 @@
               <a:rPr lang="en-US"/>
               <a:t>Click to edit Master text styles</a:t>
             </a:r>
+            <a:endParaRPr lang="en-US"/>
           </a:p>
           <a:p>
             <a:pPr lvl="1"/>
@@ -3058,6 +3040,7 @@
               <a:rPr lang="en-US"/>
               <a:t>Second level</a:t>
             </a:r>
+            <a:endParaRPr lang="en-US"/>
           </a:p>
           <a:p>
             <a:pPr lvl="2"/>
@@ -3065,6 +3048,7 @@
               <a:rPr lang="en-US"/>
               <a:t>Third level</a:t>
             </a:r>
+            <a:endParaRPr lang="en-US"/>
           </a:p>
           <a:p>
             <a:pPr lvl="3"/>
@@ -3072,6 +3056,7 @@
               <a:rPr lang="en-US"/>
               <a:t>Fourth level</a:t>
             </a:r>
+            <a:endParaRPr lang="en-US"/>
           </a:p>
           <a:p>
             <a:pPr lvl="4"/>
@@ -3100,7 +3085,6 @@
           <a:p>
             <a:fld id="{25A20674-BC4C-4D26-92D1-03A3A101A682}" type="datetimeFigureOut">
               <a:rPr lang="en-US" smtClean="0"/>
-              <a:t>3/26/2025</a:t>
             </a:fld>
             <a:endParaRPr lang="en-US"/>
           </a:p>
@@ -3142,18 +3126,12 @@
           <a:p>
             <a:fld id="{C47A4662-A707-4C69-99DB-F923586C22A9}" type="slidenum">
               <a:rPr lang="en-US" smtClean="0"/>
-              <a:t>‹#›</a:t>
             </a:fld>
             <a:endParaRPr lang="en-US"/>
           </a:p>
         </p:txBody>
       </p:sp>
     </p:spTree>
-    <p:extLst>
-      <p:ext uri="{BB962C8B-B14F-4D97-AF65-F5344CB8AC3E}">
-        <p14:creationId xmlns:p14="http://schemas.microsoft.com/office/powerpoint/2010/main" val="447595733"/>
-      </p:ext>
-    </p:extLst>
   </p:cSld>
   <p:clrMapOvr>
     <a:masterClrMapping/>
@@ -3251,6 +3229,7 @@
               <a:rPr lang="en-US"/>
               <a:t>Click to edit Master text styles</a:t>
             </a:r>
+            <a:endParaRPr lang="en-US"/>
           </a:p>
           <a:p>
             <a:pPr lvl="1"/>
@@ -3258,6 +3237,7 @@
               <a:rPr lang="en-US"/>
               <a:t>Second level</a:t>
             </a:r>
+            <a:endParaRPr lang="en-US"/>
           </a:p>
           <a:p>
             <a:pPr lvl="2"/>
@@ -3265,6 +3245,7 @@
               <a:rPr lang="en-US"/>
               <a:t>Third level</a:t>
             </a:r>
+            <a:endParaRPr lang="en-US"/>
           </a:p>
           <a:p>
             <a:pPr lvl="3"/>
@@ -3272,6 +3253,7 @@
               <a:rPr lang="en-US"/>
               <a:t>Fourth level</a:t>
             </a:r>
+            <a:endParaRPr lang="en-US"/>
           </a:p>
           <a:p>
             <a:pPr lvl="4"/>
@@ -3300,7 +3282,6 @@
           <a:p>
             <a:fld id="{25A20674-BC4C-4D26-92D1-03A3A101A682}" type="datetimeFigureOut">
               <a:rPr lang="en-US" smtClean="0"/>
-              <a:t>3/26/2025</a:t>
             </a:fld>
             <a:endParaRPr lang="en-US"/>
           </a:p>
@@ -3342,18 +3323,12 @@
           <a:p>
             <a:fld id="{C47A4662-A707-4C69-99DB-F923586C22A9}" type="slidenum">
               <a:rPr lang="en-US" smtClean="0"/>
-              <a:t>‹#›</a:t>
             </a:fld>
             <a:endParaRPr lang="en-US"/>
           </a:p>
         </p:txBody>
       </p:sp>
     </p:spTree>
-    <p:extLst>
-      <p:ext uri="{BB962C8B-B14F-4D97-AF65-F5344CB8AC3E}">
-        <p14:creationId xmlns:p14="http://schemas.microsoft.com/office/powerpoint/2010/main" val="2225339259"/>
-      </p:ext>
-    </p:extLst>
   </p:cSld>
   <p:clrMapOvr>
     <a:masterClrMapping/>
@@ -3556,6 +3531,7 @@
               <a:rPr lang="en-US"/>
               <a:t>Click to edit Master text styles</a:t>
             </a:r>
+            <a:endParaRPr lang="en-US"/>
           </a:p>
         </p:txBody>
       </p:sp>
@@ -3576,7 +3552,6 @@
           <a:p>
             <a:fld id="{25A20674-BC4C-4D26-92D1-03A3A101A682}" type="datetimeFigureOut">
               <a:rPr lang="en-US" smtClean="0"/>
-              <a:t>3/26/2025</a:t>
             </a:fld>
             <a:endParaRPr lang="en-US"/>
           </a:p>
@@ -3618,18 +3593,12 @@
           <a:p>
             <a:fld id="{C47A4662-A707-4C69-99DB-F923586C22A9}" type="slidenum">
               <a:rPr lang="en-US" smtClean="0"/>
-              <a:t>‹#›</a:t>
             </a:fld>
             <a:endParaRPr lang="en-US"/>
           </a:p>
         </p:txBody>
       </p:sp>
     </p:spTree>
-    <p:extLst>
-      <p:ext uri="{BB962C8B-B14F-4D97-AF65-F5344CB8AC3E}">
-        <p14:creationId xmlns:p14="http://schemas.microsoft.com/office/powerpoint/2010/main" val="975248765"/>
-      </p:ext>
-    </p:extLst>
   </p:cSld>
   <p:clrMapOvr>
     <a:masterClrMapping/>
@@ -3734,6 +3703,7 @@
               <a:rPr lang="en-US"/>
               <a:t>Click to edit Master text styles</a:t>
             </a:r>
+            <a:endParaRPr lang="en-US"/>
           </a:p>
           <a:p>
             <a:pPr lvl="1"/>
@@ -3741,6 +3711,7 @@
               <a:rPr lang="en-US"/>
               <a:t>Second level</a:t>
             </a:r>
+            <a:endParaRPr lang="en-US"/>
           </a:p>
           <a:p>
             <a:pPr lvl="2"/>
@@ -3748,6 +3719,7 @@
               <a:rPr lang="en-US"/>
               <a:t>Third level</a:t>
             </a:r>
+            <a:endParaRPr lang="en-US"/>
           </a:p>
           <a:p>
             <a:pPr lvl="3"/>
@@ -3755,6 +3727,7 @@
               <a:rPr lang="en-US"/>
               <a:t>Fourth level</a:t>
             </a:r>
+            <a:endParaRPr lang="en-US"/>
           </a:p>
           <a:p>
             <a:pPr lvl="4"/>
@@ -3793,6 +3766,7 @@
               <a:rPr lang="en-US"/>
               <a:t>Click to edit Master text styles</a:t>
             </a:r>
+            <a:endParaRPr lang="en-US"/>
           </a:p>
           <a:p>
             <a:pPr lvl="1"/>
@@ -3800,6 +3774,7 @@
               <a:rPr lang="en-US"/>
               <a:t>Second level</a:t>
             </a:r>
+            <a:endParaRPr lang="en-US"/>
           </a:p>
           <a:p>
             <a:pPr lvl="2"/>
@@ -3807,6 +3782,7 @@
               <a:rPr lang="en-US"/>
               <a:t>Third level</a:t>
             </a:r>
+            <a:endParaRPr lang="en-US"/>
           </a:p>
           <a:p>
             <a:pPr lvl="3"/>
@@ -3814,6 +3790,7 @@
               <a:rPr lang="en-US"/>
               <a:t>Fourth level</a:t>
             </a:r>
+            <a:endParaRPr lang="en-US"/>
           </a:p>
           <a:p>
             <a:pPr lvl="4"/>
@@ -3842,7 +3819,6 @@
           <a:p>
             <a:fld id="{25A20674-BC4C-4D26-92D1-03A3A101A682}" type="datetimeFigureOut">
               <a:rPr lang="en-US" smtClean="0"/>
-              <a:t>3/26/2025</a:t>
             </a:fld>
             <a:endParaRPr lang="en-US"/>
           </a:p>
@@ -3884,18 +3860,12 @@
           <a:p>
             <a:fld id="{C47A4662-A707-4C69-99DB-F923586C22A9}" type="slidenum">
               <a:rPr lang="en-US" smtClean="0"/>
-              <a:t>‹#›</a:t>
             </a:fld>
             <a:endParaRPr lang="en-US"/>
           </a:p>
         </p:txBody>
       </p:sp>
     </p:spTree>
-    <p:extLst>
-      <p:ext uri="{BB962C8B-B14F-4D97-AF65-F5344CB8AC3E}">
-        <p14:creationId xmlns:p14="http://schemas.microsoft.com/office/powerpoint/2010/main" val="2532620363"/>
-      </p:ext>
-    </p:extLst>
   </p:cSld>
   <p:clrMapOvr>
     <a:masterClrMapping/>
@@ -4011,6 +3981,7 @@
               <a:rPr lang="en-US"/>
               <a:t>Click to edit Master text styles</a:t>
             </a:r>
+            <a:endParaRPr lang="en-US"/>
           </a:p>
         </p:txBody>
       </p:sp>
@@ -4041,6 +4012,7 @@
               <a:rPr lang="en-US"/>
               <a:t>Click to edit Master text styles</a:t>
             </a:r>
+            <a:endParaRPr lang="en-US"/>
           </a:p>
           <a:p>
             <a:pPr lvl="1"/>
@@ -4048,6 +4020,7 @@
               <a:rPr lang="en-US"/>
               <a:t>Second level</a:t>
             </a:r>
+            <a:endParaRPr lang="en-US"/>
           </a:p>
           <a:p>
             <a:pPr lvl="2"/>
@@ -4055,6 +4028,7 @@
               <a:rPr lang="en-US"/>
               <a:t>Third level</a:t>
             </a:r>
+            <a:endParaRPr lang="en-US"/>
           </a:p>
           <a:p>
             <a:pPr lvl="3"/>
@@ -4062,6 +4036,7 @@
               <a:rPr lang="en-US"/>
               <a:t>Fourth level</a:t>
             </a:r>
+            <a:endParaRPr lang="en-US"/>
           </a:p>
           <a:p>
             <a:pPr lvl="4"/>
@@ -4137,6 +4112,7 @@
               <a:rPr lang="en-US"/>
               <a:t>Click to edit Master text styles</a:t>
             </a:r>
+            <a:endParaRPr lang="en-US"/>
           </a:p>
         </p:txBody>
       </p:sp>
@@ -4167,6 +4143,7 @@
               <a:rPr lang="en-US"/>
               <a:t>Click to edit Master text styles</a:t>
             </a:r>
+            <a:endParaRPr lang="en-US"/>
           </a:p>
           <a:p>
             <a:pPr lvl="1"/>
@@ -4174,6 +4151,7 @@
               <a:rPr lang="en-US"/>
               <a:t>Second level</a:t>
             </a:r>
+            <a:endParaRPr lang="en-US"/>
           </a:p>
           <a:p>
             <a:pPr lvl="2"/>
@@ -4181,6 +4159,7 @@
               <a:rPr lang="en-US"/>
               <a:t>Third level</a:t>
             </a:r>
+            <a:endParaRPr lang="en-US"/>
           </a:p>
           <a:p>
             <a:pPr lvl="3"/>
@@ -4188,6 +4167,7 @@
               <a:rPr lang="en-US"/>
               <a:t>Fourth level</a:t>
             </a:r>
+            <a:endParaRPr lang="en-US"/>
           </a:p>
           <a:p>
             <a:pPr lvl="4"/>
@@ -4216,7 +4196,6 @@
           <a:p>
             <a:fld id="{25A20674-BC4C-4D26-92D1-03A3A101A682}" type="datetimeFigureOut">
               <a:rPr lang="en-US" smtClean="0"/>
-              <a:t>3/26/2025</a:t>
             </a:fld>
             <a:endParaRPr lang="en-US"/>
           </a:p>
@@ -4258,18 +4237,12 @@
           <a:p>
             <a:fld id="{C47A4662-A707-4C69-99DB-F923586C22A9}" type="slidenum">
               <a:rPr lang="en-US" smtClean="0"/>
-              <a:t>‹#›</a:t>
             </a:fld>
             <a:endParaRPr lang="en-US"/>
           </a:p>
         </p:txBody>
       </p:sp>
     </p:spTree>
-    <p:extLst>
-      <p:ext uri="{BB962C8B-B14F-4D97-AF65-F5344CB8AC3E}">
-        <p14:creationId xmlns:p14="http://schemas.microsoft.com/office/powerpoint/2010/main" val="4187816430"/>
-      </p:ext>
-    </p:extLst>
   </p:cSld>
   <p:clrMapOvr>
     <a:masterClrMapping/>
@@ -4364,7 +4337,6 @@
           <a:p>
             <a:fld id="{25A20674-BC4C-4D26-92D1-03A3A101A682}" type="datetimeFigureOut">
               <a:rPr lang="en-US" smtClean="0"/>
-              <a:t>3/26/2025</a:t>
             </a:fld>
             <a:endParaRPr lang="en-US"/>
           </a:p>
@@ -4406,18 +4378,12 @@
           <a:p>
             <a:fld id="{C47A4662-A707-4C69-99DB-F923586C22A9}" type="slidenum">
               <a:rPr lang="en-US" smtClean="0"/>
-              <a:t>‹#›</a:t>
             </a:fld>
             <a:endParaRPr lang="en-US"/>
           </a:p>
         </p:txBody>
       </p:sp>
     </p:spTree>
-    <p:extLst>
-      <p:ext uri="{BB962C8B-B14F-4D97-AF65-F5344CB8AC3E}">
-        <p14:creationId xmlns:p14="http://schemas.microsoft.com/office/powerpoint/2010/main" val="506560466"/>
-      </p:ext>
-    </p:extLst>
   </p:cSld>
   <p:clrMapOvr>
     <a:masterClrMapping/>
@@ -4489,7 +4455,6 @@
           <a:p>
             <a:fld id="{25A20674-BC4C-4D26-92D1-03A3A101A682}" type="datetimeFigureOut">
               <a:rPr lang="en-US" smtClean="0"/>
-              <a:t>3/26/2025</a:t>
             </a:fld>
             <a:endParaRPr lang="en-US"/>
           </a:p>
@@ -4531,18 +4496,12 @@
           <a:p>
             <a:fld id="{C47A4662-A707-4C69-99DB-F923586C22A9}" type="slidenum">
               <a:rPr lang="en-US" smtClean="0"/>
-              <a:t>‹#›</a:t>
             </a:fld>
             <a:endParaRPr lang="en-US"/>
           </a:p>
         </p:txBody>
       </p:sp>
     </p:spTree>
-    <p:extLst>
-      <p:ext uri="{BB962C8B-B14F-4D97-AF65-F5344CB8AC3E}">
-        <p14:creationId xmlns:p14="http://schemas.microsoft.com/office/powerpoint/2010/main" val="4136282380"/>
-      </p:ext>
-    </p:extLst>
   </p:cSld>
   <p:clrMapOvr>
     <a:masterClrMapping/>
@@ -4658,6 +4617,7 @@
               <a:rPr lang="en-US"/>
               <a:t>Click to edit Master text styles</a:t>
             </a:r>
+            <a:endParaRPr lang="en-US"/>
           </a:p>
           <a:p>
             <a:pPr lvl="1"/>
@@ -4665,6 +4625,7 @@
               <a:rPr lang="en-US"/>
               <a:t>Second level</a:t>
             </a:r>
+            <a:endParaRPr lang="en-US"/>
           </a:p>
           <a:p>
             <a:pPr lvl="2"/>
@@ -4672,6 +4633,7 @@
               <a:rPr lang="en-US"/>
               <a:t>Third level</a:t>
             </a:r>
+            <a:endParaRPr lang="en-US"/>
           </a:p>
           <a:p>
             <a:pPr lvl="3"/>
@@ -4679,6 +4641,7 @@
               <a:rPr lang="en-US"/>
               <a:t>Fourth level</a:t>
             </a:r>
+            <a:endParaRPr lang="en-US"/>
           </a:p>
           <a:p>
             <a:pPr lvl="4"/>
@@ -4754,6 +4717,7 @@
               <a:rPr lang="en-US"/>
               <a:t>Click to edit Master text styles</a:t>
             </a:r>
+            <a:endParaRPr lang="en-US"/>
           </a:p>
         </p:txBody>
       </p:sp>
@@ -4774,7 +4738,6 @@
           <a:p>
             <a:fld id="{25A20674-BC4C-4D26-92D1-03A3A101A682}" type="datetimeFigureOut">
               <a:rPr lang="en-US" smtClean="0"/>
-              <a:t>3/26/2025</a:t>
             </a:fld>
             <a:endParaRPr lang="en-US"/>
           </a:p>
@@ -4816,18 +4779,12 @@
           <a:p>
             <a:fld id="{C47A4662-A707-4C69-99DB-F923586C22A9}" type="slidenum">
               <a:rPr lang="en-US" smtClean="0"/>
-              <a:t>‹#›</a:t>
             </a:fld>
             <a:endParaRPr lang="en-US"/>
           </a:p>
         </p:txBody>
       </p:sp>
     </p:spTree>
-    <p:extLst>
-      <p:ext uri="{BB962C8B-B14F-4D97-AF65-F5344CB8AC3E}">
-        <p14:creationId xmlns:p14="http://schemas.microsoft.com/office/powerpoint/2010/main" val="1581260433"/>
-      </p:ext>
-    </p:extLst>
   </p:cSld>
   <p:clrMapOvr>
     <a:masterClrMapping/>
@@ -5078,6 +5035,7 @@
               <a:rPr lang="en-US"/>
               <a:t>Click to edit Master text styles</a:t>
             </a:r>
+            <a:endParaRPr lang="en-US"/>
           </a:p>
         </p:txBody>
       </p:sp>
@@ -5098,7 +5056,6 @@
           <a:p>
             <a:fld id="{25A20674-BC4C-4D26-92D1-03A3A101A682}" type="datetimeFigureOut">
               <a:rPr lang="en-US" smtClean="0"/>
-              <a:t>3/26/2025</a:t>
             </a:fld>
             <a:endParaRPr lang="en-US"/>
           </a:p>
@@ -5140,18 +5097,12 @@
           <a:p>
             <a:fld id="{C47A4662-A707-4C69-99DB-F923586C22A9}" type="slidenum">
               <a:rPr lang="en-US" smtClean="0"/>
-              <a:t>‹#›</a:t>
             </a:fld>
             <a:endParaRPr lang="en-US"/>
           </a:p>
         </p:txBody>
       </p:sp>
     </p:spTree>
-    <p:extLst>
-      <p:ext uri="{BB962C8B-B14F-4D97-AF65-F5344CB8AC3E}">
-        <p14:creationId xmlns:p14="http://schemas.microsoft.com/office/powerpoint/2010/main" val="1835911624"/>
-      </p:ext>
-    </p:extLst>
   </p:cSld>
   <p:clrMapOvr>
     <a:masterClrMapping/>
@@ -5273,6 +5224,7 @@
               <a:rPr lang="en-US"/>
               <a:t>Click to edit Master text styles</a:t>
             </a:r>
+            <a:endParaRPr lang="en-US"/>
           </a:p>
           <a:p>
             <a:pPr lvl="1"/>
@@ -5280,6 +5232,7 @@
               <a:rPr lang="en-US"/>
               <a:t>Second level</a:t>
             </a:r>
+            <a:endParaRPr lang="en-US"/>
           </a:p>
           <a:p>
             <a:pPr lvl="2"/>
@@ -5287,6 +5240,7 @@
               <a:rPr lang="en-US"/>
               <a:t>Third level</a:t>
             </a:r>
+            <a:endParaRPr lang="en-US"/>
           </a:p>
           <a:p>
             <a:pPr lvl="3"/>
@@ -5294,6 +5248,7 @@
               <a:rPr lang="en-US"/>
               <a:t>Fourth level</a:t>
             </a:r>
+            <a:endParaRPr lang="en-US"/>
           </a:p>
           <a:p>
             <a:pPr lvl="4"/>
@@ -5340,7 +5295,6 @@
           <a:p>
             <a:fld id="{25A20674-BC4C-4D26-92D1-03A3A101A682}" type="datetimeFigureOut">
               <a:rPr lang="en-US" smtClean="0"/>
-              <a:t>3/26/2025</a:t>
             </a:fld>
             <a:endParaRPr lang="en-US"/>
           </a:p>
@@ -5418,38 +5372,32 @@
           <a:p>
             <a:fld id="{C47A4662-A707-4C69-99DB-F923586C22A9}" type="slidenum">
               <a:rPr lang="en-US" smtClean="0"/>
-              <a:t>‹#›</a:t>
             </a:fld>
             <a:endParaRPr lang="en-US"/>
           </a:p>
         </p:txBody>
       </p:sp>
     </p:spTree>
-    <p:extLst>
-      <p:ext uri="{BB962C8B-B14F-4D97-AF65-F5344CB8AC3E}">
-        <p14:creationId xmlns:p14="http://schemas.microsoft.com/office/powerpoint/2010/main" val="2316836111"/>
-      </p:ext>
-    </p:extLst>
   </p:cSld>
   <p:clrMap bg1="lt1" tx1="dk1" bg2="lt2" tx2="dk2" accent1="accent1" accent2="accent2" accent3="accent3" accent4="accent4" accent5="accent5" accent6="accent6" hlink="hlink" folHlink="folHlink"/>
   <p:sldLayoutIdLst>
-    <p:sldLayoutId id="2147483685" r:id="rId1"/>
-    <p:sldLayoutId id="2147483686" r:id="rId2"/>
-    <p:sldLayoutId id="2147483687" r:id="rId3"/>
-    <p:sldLayoutId id="2147483688" r:id="rId4"/>
-    <p:sldLayoutId id="2147483689" r:id="rId5"/>
-    <p:sldLayoutId id="2147483690" r:id="rId6"/>
-    <p:sldLayoutId id="2147483691" r:id="rId7"/>
-    <p:sldLayoutId id="2147483692" r:id="rId8"/>
-    <p:sldLayoutId id="2147483693" r:id="rId9"/>
-    <p:sldLayoutId id="2147483694" r:id="rId10"/>
-    <p:sldLayoutId id="2147483695" r:id="rId11"/>
-    <p:sldLayoutId id="2147483696" r:id="rId12"/>
-    <p:sldLayoutId id="2147483697" r:id="rId13"/>
-    <p:sldLayoutId id="2147483698" r:id="rId14"/>
-    <p:sldLayoutId id="2147483699" r:id="rId15"/>
-    <p:sldLayoutId id="2147483700" r:id="rId16"/>
-    <p:sldLayoutId id="2147483701" r:id="rId17"/>
+    <p:sldLayoutId id="2147483649" r:id="rId1"/>
+    <p:sldLayoutId id="2147483650" r:id="rId2"/>
+    <p:sldLayoutId id="2147483651" r:id="rId3"/>
+    <p:sldLayoutId id="2147483652" r:id="rId4"/>
+    <p:sldLayoutId id="2147483653" r:id="rId5"/>
+    <p:sldLayoutId id="2147483654" r:id="rId6"/>
+    <p:sldLayoutId id="2147483655" r:id="rId7"/>
+    <p:sldLayoutId id="2147483656" r:id="rId8"/>
+    <p:sldLayoutId id="2147483657" r:id="rId9"/>
+    <p:sldLayoutId id="2147483658" r:id="rId10"/>
+    <p:sldLayoutId id="2147483659" r:id="rId11"/>
+    <p:sldLayoutId id="2147483660" r:id="rId12"/>
+    <p:sldLayoutId id="2147483661" r:id="rId13"/>
+    <p:sldLayoutId id="2147483662" r:id="rId14"/>
+    <p:sldLayoutId id="2147483663" r:id="rId15"/>
+    <p:sldLayoutId id="2147483664" r:id="rId16"/>
+    <p:sldLayoutId id="2147483665" r:id="rId17"/>
   </p:sldLayoutIdLst>
   <p:txStyles>
     <p:titleStyle>
@@ -5540,7 +5488,7 @@
           <a:schemeClr val="tx1"/>
         </a:buClr>
         <a:buSzPct val="100000"/>
-        <a:buFont typeface="Arial"/>
+        <a:buFont typeface="Arial" panose="020B0604020202020204"/>
         <a:buChar char="•"/>
         <a:defRPr sz="1800" kern="1200" cap="none">
           <a:solidFill>
@@ -5563,7 +5511,7 @@
           <a:schemeClr val="tx1"/>
         </a:buClr>
         <a:buSzPct val="100000"/>
-        <a:buFont typeface="Arial"/>
+        <a:buFont typeface="Arial" panose="020B0604020202020204"/>
         <a:buChar char="•"/>
         <a:defRPr sz="1600" kern="1200" cap="none">
           <a:solidFill>
@@ -5586,7 +5534,7 @@
           <a:schemeClr val="tx1"/>
         </a:buClr>
         <a:buSzPct val="100000"/>
-        <a:buFont typeface="Arial"/>
+        <a:buFont typeface="Arial" panose="020B0604020202020204"/>
         <a:buChar char="•"/>
         <a:defRPr sz="1400" kern="1200" cap="none">
           <a:solidFill>
@@ -5609,7 +5557,7 @@
           <a:schemeClr val="tx1"/>
         </a:buClr>
         <a:buSzPct val="100000"/>
-        <a:buFont typeface="Arial"/>
+        <a:buFont typeface="Arial" panose="020B0604020202020204"/>
         <a:buChar char="•"/>
         <a:defRPr sz="1200" kern="1200" cap="none">
           <a:solidFill>
@@ -5632,7 +5580,7 @@
           <a:schemeClr val="tx1"/>
         </a:buClr>
         <a:buSzPct val="100000"/>
-        <a:buFont typeface="Arial"/>
+        <a:buFont typeface="Arial" panose="020B0604020202020204"/>
         <a:buChar char="•"/>
         <a:defRPr sz="1200" kern="1200" cap="none">
           <a:solidFill>
@@ -5655,7 +5603,7 @@
           <a:schemeClr val="tx1"/>
         </a:buClr>
         <a:buSzPct val="100000"/>
-        <a:buFont typeface="Arial"/>
+        <a:buFont typeface="Arial" panose="020B0604020202020204"/>
         <a:buChar char="•"/>
         <a:defRPr sz="1200" kern="1200" cap="none">
           <a:solidFill>
@@ -5678,7 +5626,7 @@
           <a:schemeClr val="tx1"/>
         </a:buClr>
         <a:buSzPct val="100000"/>
-        <a:buFont typeface="Arial"/>
+        <a:buFont typeface="Arial" panose="020B0604020202020204"/>
         <a:buChar char="•"/>
         <a:defRPr sz="1200" kern="1200" cap="none">
           <a:solidFill>
@@ -5701,7 +5649,7 @@
           <a:schemeClr val="tx1"/>
         </a:buClr>
         <a:buSzPct val="100000"/>
-        <a:buFont typeface="Arial"/>
+        <a:buFont typeface="Arial" panose="020B0604020202020204"/>
         <a:buChar char="•"/>
         <a:defRPr sz="1200" kern="1200" cap="none">
           <a:solidFill>
@@ -5724,7 +5672,7 @@
           <a:schemeClr val="tx1"/>
         </a:buClr>
         <a:buSzPct val="100000"/>
-        <a:buFont typeface="Arial"/>
+        <a:buFont typeface="Arial" panose="020B0604020202020204"/>
         <a:buChar char="•"/>
         <a:defRPr sz="1200" kern="1200" cap="none">
           <a:solidFill>
@@ -5855,13 +5803,7 @@
       </p:grpSpPr>
       <p:sp>
         <p:nvSpPr>
-          <p:cNvPr id="2" name="Title 1">
-            <a:extLst>
-              <a:ext uri="{FF2B5EF4-FFF2-40B4-BE49-F238E27FC236}">
-                <a16:creationId xmlns:a16="http://schemas.microsoft.com/office/drawing/2014/main" id="{7517CD4F-FDB6-851A-25AE-DD5B916D2322}"/>
-              </a:ext>
-            </a:extLst>
-          </p:cNvPr>
+          <p:cNvPr id="2" name="Title 1"/>
           <p:cNvSpPr>
             <a:spLocks noGrp="1"/>
           </p:cNvSpPr>
@@ -5896,13 +5838,7 @@
       </p:sp>
       <p:pic>
         <p:nvPicPr>
-          <p:cNvPr id="6" name="Content Placeholder 5">
-            <a:extLst>
-              <a:ext uri="{FF2B5EF4-FFF2-40B4-BE49-F238E27FC236}">
-                <a16:creationId xmlns:a16="http://schemas.microsoft.com/office/drawing/2014/main" id="{888FC14E-65C6-70D0-D705-3DE745931828}"/>
-              </a:ext>
-            </a:extLst>
-          </p:cNvPr>
+          <p:cNvPr id="6" name="Content Placeholder 5"/>
           <p:cNvPicPr>
             <a:picLocks noGrp="1" noChangeAspect="1"/>
           </p:cNvPicPr>
@@ -5911,13 +5847,10 @@
           </p:nvPr>
         </p:nvPicPr>
         <p:blipFill>
-          <a:blip r:embed="rId2">
+          <a:blip r:embed="rId1">
             <a:extLst>
               <a:ext uri="{28A0092B-C50C-407E-A947-70E740481C1C}">
                 <a14:useLocalDpi xmlns:a14="http://schemas.microsoft.com/office/drawing/2010/main" val="0"/>
-              </a:ext>
-              <a:ext uri="{837473B0-CC2E-450A-ABE3-18F120FF3D39}">
-                <a1611:picAttrSrcUrl xmlns:a1611="http://schemas.microsoft.com/office/drawing/2016/11/main" r:id="rId3"/>
               </a:ext>
             </a:extLst>
           </a:blip>
@@ -5934,13 +5867,7 @@
       </p:pic>
       <p:sp>
         <p:nvSpPr>
-          <p:cNvPr id="4" name="Text Placeholder 3">
-            <a:extLst>
-              <a:ext uri="{FF2B5EF4-FFF2-40B4-BE49-F238E27FC236}">
-                <a16:creationId xmlns:a16="http://schemas.microsoft.com/office/drawing/2014/main" id="{E3E85EC5-982F-6553-503F-9E6C761FAF6F}"/>
-              </a:ext>
-            </a:extLst>
-          </p:cNvPr>
+          <p:cNvPr id="4" name="Text Placeholder 3"/>
           <p:cNvSpPr>
             <a:spLocks noGrp="1"/>
           </p:cNvSpPr>
@@ -5979,6 +5906,13 @@
               </a:rPr>
               <a:t>Niyonsaba Christine </a:t>
             </a:r>
+            <a:endParaRPr lang="en-US" sz="7200" dirty="0">
+              <a:solidFill>
+                <a:schemeClr val="bg2"/>
+              </a:solidFill>
+              <a:latin typeface="Helvetica" panose="020B0604020202020204"/>
+              <a:cs typeface="Helvetica" panose="020B0604020202020204"/>
+            </a:endParaRPr>
           </a:p>
           <a:p>
             <a:r>
@@ -5991,6 +5925,13 @@
               </a:rPr>
               <a:t>27796</a:t>
             </a:r>
+            <a:endParaRPr lang="en-US" sz="7200" dirty="0">
+              <a:solidFill>
+                <a:schemeClr val="bg2"/>
+              </a:solidFill>
+              <a:latin typeface="Helvetica" panose="020B0604020202020204"/>
+              <a:cs typeface="Helvetica" panose="020B0604020202020204"/>
+            </a:endParaRPr>
           </a:p>
           <a:p>
             <a:r>
@@ -6003,6 +5944,13 @@
               </a:rPr>
               <a:t>Group: F</a:t>
             </a:r>
+            <a:endParaRPr lang="en-US" sz="7200" dirty="0">
+              <a:solidFill>
+                <a:schemeClr val="bg2"/>
+              </a:solidFill>
+              <a:latin typeface="Helvetica" panose="020B0604020202020204"/>
+              <a:cs typeface="Helvetica" panose="020B0604020202020204"/>
+            </a:endParaRPr>
           </a:p>
           <a:p>
             <a:r>
@@ -6015,6 +5963,13 @@
               </a:rPr>
               <a:t>This system will be used to manage tourism services, including tour packages, bookings, customer details, and payment transactions.</a:t>
             </a:r>
+            <a:endParaRPr lang="en-US" sz="7200" dirty="0">
+              <a:solidFill>
+                <a:schemeClr val="bg2"/>
+              </a:solidFill>
+              <a:latin typeface="Helvetica" panose="020B0604020202020204"/>
+              <a:cs typeface="Helvetica" panose="020B0604020202020204"/>
+            </a:endParaRPr>
           </a:p>
           <a:p>
             <a:endParaRPr lang="en-US" dirty="0">
@@ -6025,11 +5980,6 @@
         </p:txBody>
       </p:sp>
     </p:spTree>
-    <p:extLst>
-      <p:ext uri="{BB962C8B-B14F-4D97-AF65-F5344CB8AC3E}">
-        <p14:creationId xmlns:p14="http://schemas.microsoft.com/office/powerpoint/2010/main" val="1193155251"/>
-      </p:ext>
-    </p:extLst>
   </p:cSld>
   <p:clrMapOvr>
     <a:masterClrMapping/>
@@ -6056,13 +6006,7 @@
       </p:grpSpPr>
       <p:sp>
         <p:nvSpPr>
-          <p:cNvPr id="2" name="Title 1">
-            <a:extLst>
-              <a:ext uri="{FF2B5EF4-FFF2-40B4-BE49-F238E27FC236}">
-                <a16:creationId xmlns:a16="http://schemas.microsoft.com/office/drawing/2014/main" id="{CF650BFA-86CB-8F0C-965B-6BB723532E17}"/>
-              </a:ext>
-            </a:extLst>
-          </p:cNvPr>
+          <p:cNvPr id="2" name="Title 1"/>
           <p:cNvSpPr>
             <a:spLocks noGrp="1"/>
           </p:cNvSpPr>
@@ -6102,13 +6046,7 @@
       </p:sp>
       <p:sp>
         <p:nvSpPr>
-          <p:cNvPr id="4" name="Text Placeholder 3">
-            <a:extLst>
-              <a:ext uri="{FF2B5EF4-FFF2-40B4-BE49-F238E27FC236}">
-                <a16:creationId xmlns:a16="http://schemas.microsoft.com/office/drawing/2014/main" id="{E7C95D65-6D23-8143-99B6-DC242E0BD145}"/>
-              </a:ext>
-            </a:extLst>
-          </p:cNvPr>
+          <p:cNvPr id="4" name="Text Placeholder 3"/>
           <p:cNvSpPr>
             <a:spLocks noGrp="1"/>
           </p:cNvSpPr>
@@ -6138,6 +6076,13 @@
               </a:rPr>
               <a:t>The tourism industry face challenges in managing tour packages, bookings, customer data, leading to booking errors, payment errors.</a:t>
             </a:r>
+            <a:endParaRPr lang="en-US" sz="7200" dirty="0">
+              <a:solidFill>
+                <a:schemeClr val="bg2"/>
+              </a:solidFill>
+              <a:latin typeface="Helvetica" panose="020B0604020202020204"/>
+              <a:cs typeface="Helvetica" panose="020B0604020202020204"/>
+            </a:endParaRPr>
           </a:p>
           <a:p>
             <a:r>
@@ -6150,6 +6095,13 @@
               </a:rPr>
               <a:t>This system will be used in:</a:t>
             </a:r>
+            <a:endParaRPr lang="en-US" sz="7200" b="1" dirty="0">
+              <a:solidFill>
+                <a:schemeClr val="bg2"/>
+              </a:solidFill>
+              <a:latin typeface="Helvetica" panose="020B0604020202020204"/>
+              <a:cs typeface="Helvetica" panose="020B0604020202020204"/>
+            </a:endParaRPr>
           </a:p>
           <a:p>
             <a:pPr marL="285750" indent="-285750">
@@ -6166,6 +6118,13 @@
               </a:rPr>
               <a:t>Tour planning and management</a:t>
             </a:r>
+            <a:endParaRPr lang="en-US" sz="7200" dirty="0">
+              <a:solidFill>
+                <a:schemeClr val="bg2"/>
+              </a:solidFill>
+              <a:latin typeface="Helvetica" panose="020B0604020202020204"/>
+              <a:cs typeface="Helvetica" panose="020B0604020202020204"/>
+            </a:endParaRPr>
           </a:p>
           <a:p>
             <a:pPr marL="285750" indent="-285750">
@@ -6182,6 +6141,13 @@
               </a:rPr>
               <a:t>Tourist attraction listings and bookings</a:t>
             </a:r>
+            <a:endParaRPr lang="en-US" sz="7200" dirty="0">
+              <a:solidFill>
+                <a:schemeClr val="bg2"/>
+              </a:solidFill>
+              <a:latin typeface="Helvetica" panose="020B0604020202020204"/>
+              <a:cs typeface="Helvetica" panose="020B0604020202020204"/>
+            </a:endParaRPr>
           </a:p>
           <a:p>
             <a:r>
@@ -6194,6 +6160,13 @@
               </a:rPr>
               <a:t>Target users: </a:t>
             </a:r>
+            <a:endParaRPr lang="en-US" sz="7200" b="1" dirty="0">
+              <a:solidFill>
+                <a:schemeClr val="bg2"/>
+              </a:solidFill>
+              <a:latin typeface="Helvetica" panose="020B0604020202020204"/>
+              <a:cs typeface="Helvetica" panose="020B0604020202020204"/>
+            </a:endParaRPr>
           </a:p>
           <a:p>
             <a:pPr marL="342900" indent="-342900">
@@ -6210,6 +6183,13 @@
               </a:rPr>
               <a:t>Tourists, </a:t>
             </a:r>
+            <a:endParaRPr lang="en-US" sz="7200" dirty="0">
+              <a:solidFill>
+                <a:schemeClr val="bg2"/>
+              </a:solidFill>
+              <a:latin typeface="Helvetica" panose="020B0604020202020204"/>
+              <a:cs typeface="Helvetica" panose="020B0604020202020204"/>
+            </a:endParaRPr>
           </a:p>
           <a:p>
             <a:pPr marL="342900" indent="-342900">
@@ -6226,6 +6206,13 @@
               </a:rPr>
               <a:t>Travel agencies, </a:t>
             </a:r>
+            <a:endParaRPr lang="en-US" sz="7200" dirty="0">
+              <a:solidFill>
+                <a:schemeClr val="bg2"/>
+              </a:solidFill>
+              <a:latin typeface="Helvetica" panose="020B0604020202020204"/>
+              <a:cs typeface="Helvetica" panose="020B0604020202020204"/>
+            </a:endParaRPr>
           </a:p>
           <a:p>
             <a:pPr marL="342900" indent="-342900">
@@ -6242,6 +6229,13 @@
               </a:rPr>
               <a:t>Tour operators and transport providers.</a:t>
             </a:r>
+            <a:endParaRPr lang="en-US" sz="7200" dirty="0">
+              <a:solidFill>
+                <a:schemeClr val="bg2"/>
+              </a:solidFill>
+              <a:latin typeface="Helvetica" panose="020B0604020202020204"/>
+              <a:cs typeface="Helvetica" panose="020B0604020202020204"/>
+            </a:endParaRPr>
           </a:p>
           <a:p>
             <a:r>
@@ -6264,6 +6258,13 @@
               </a:rPr>
               <a:t>:</a:t>
             </a:r>
+            <a:endParaRPr lang="en-US" sz="7200" dirty="0">
+              <a:solidFill>
+                <a:schemeClr val="bg2"/>
+              </a:solidFill>
+              <a:latin typeface="Helvetica" panose="020B0604020202020204"/>
+              <a:cs typeface="Helvetica" panose="020B0604020202020204"/>
+            </a:endParaRPr>
           </a:p>
           <a:p>
             <a:pPr marL="285750" indent="-285750">
@@ -6280,6 +6281,13 @@
               </a:rPr>
               <a:t>Enhances tourist experience and satisfaction</a:t>
             </a:r>
+            <a:endParaRPr lang="en-US" sz="7200" dirty="0">
+              <a:solidFill>
+                <a:schemeClr val="bg2"/>
+              </a:solidFill>
+              <a:latin typeface="Helvetica" panose="020B0604020202020204"/>
+              <a:cs typeface="Helvetica" panose="020B0604020202020204"/>
+            </a:endParaRPr>
           </a:p>
           <a:p>
             <a:pPr marL="285750" indent="-285750">
@@ -6296,6 +6304,13 @@
               </a:rPr>
               <a:t>Centralized Information Management for tourism services</a:t>
             </a:r>
+            <a:endParaRPr lang="en-US" sz="7200" dirty="0">
+              <a:solidFill>
+                <a:schemeClr val="bg2"/>
+              </a:solidFill>
+              <a:latin typeface="Helvetica" panose="020B0604020202020204"/>
+              <a:cs typeface="Helvetica" panose="020B0604020202020204"/>
+            </a:endParaRPr>
           </a:p>
           <a:p>
             <a:pPr marL="285750" indent="-285750">
@@ -6312,6 +6327,13 @@
               </a:rPr>
               <a:t>Enhanced Communication</a:t>
             </a:r>
+            <a:endParaRPr lang="en-US" sz="7200" dirty="0">
+              <a:solidFill>
+                <a:schemeClr val="bg2"/>
+              </a:solidFill>
+              <a:latin typeface="Helvetica" panose="020B0604020202020204"/>
+              <a:cs typeface="Helvetica" panose="020B0604020202020204"/>
+            </a:endParaRPr>
           </a:p>
           <a:p>
             <a:endParaRPr lang="en-US" sz="1600" dirty="0">
@@ -6347,13 +6369,7 @@
       </p:sp>
       <p:pic>
         <p:nvPicPr>
-          <p:cNvPr id="1028" name="Picture 4" descr="Travel Images Free Download">
-            <a:extLst>
-              <a:ext uri="{FF2B5EF4-FFF2-40B4-BE49-F238E27FC236}">
-                <a16:creationId xmlns:a16="http://schemas.microsoft.com/office/drawing/2014/main" id="{F625B808-F345-1D95-59A5-6EC16FA15E8C}"/>
-              </a:ext>
-            </a:extLst>
-          </p:cNvPr>
+          <p:cNvPr id="1028" name="Picture 4" descr="Travel Images Free Download"/>
           <p:cNvPicPr>
             <a:picLocks noGrp="1" noChangeAspect="1" noChangeArrowheads="1"/>
           </p:cNvPicPr>
@@ -6362,7 +6378,7 @@
           </p:nvPr>
         </p:nvPicPr>
         <p:blipFill>
-          <a:blip r:embed="rId2">
+          <a:blip r:embed="rId1">
             <a:extLst>
               <a:ext uri="{28A0092B-C50C-407E-A947-70E740481C1C}">
                 <a14:useLocalDpi xmlns:a14="http://schemas.microsoft.com/office/drawing/2010/main" val="0"/>
@@ -6395,11 +6411,6 @@
         </p:spPr>
       </p:pic>
     </p:spTree>
-    <p:extLst>
-      <p:ext uri="{BB962C8B-B14F-4D97-AF65-F5344CB8AC3E}">
-        <p14:creationId xmlns:p14="http://schemas.microsoft.com/office/powerpoint/2010/main" val="521328540"/>
-      </p:ext>
-    </p:extLst>
   </p:cSld>
   <p:clrMapOvr>
     <a:masterClrMapping/>
@@ -6426,13 +6437,7 @@
       </p:grpSpPr>
       <p:sp>
         <p:nvSpPr>
-          <p:cNvPr id="2" name="Title 1">
-            <a:extLst>
-              <a:ext uri="{FF2B5EF4-FFF2-40B4-BE49-F238E27FC236}">
-                <a16:creationId xmlns:a16="http://schemas.microsoft.com/office/drawing/2014/main" id="{BFFB0FE0-8321-594E-4593-FC9467E45ABA}"/>
-              </a:ext>
-            </a:extLst>
-          </p:cNvPr>
+          <p:cNvPr id="2" name="Title 1"/>
           <p:cNvSpPr>
             <a:spLocks noGrp="1"/>
           </p:cNvSpPr>
@@ -6481,13 +6486,7 @@
       </p:sp>
       <p:pic>
         <p:nvPicPr>
-          <p:cNvPr id="6" name="Content Placeholder 5">
-            <a:extLst>
-              <a:ext uri="{FF2B5EF4-FFF2-40B4-BE49-F238E27FC236}">
-                <a16:creationId xmlns:a16="http://schemas.microsoft.com/office/drawing/2014/main" id="{CB81A1A0-DE4B-30A7-E780-F5EB15FB6331}"/>
-              </a:ext>
-            </a:extLst>
-          </p:cNvPr>
+          <p:cNvPr id="6" name="Content Placeholder 5"/>
           <p:cNvPicPr>
             <a:picLocks noGrp="1" noChangeAspect="1"/>
           </p:cNvPicPr>
@@ -6496,13 +6495,10 @@
           </p:nvPr>
         </p:nvPicPr>
         <p:blipFill>
-          <a:blip r:embed="rId2">
+          <a:blip r:embed="rId1">
             <a:extLst>
               <a:ext uri="{28A0092B-C50C-407E-A947-70E740481C1C}">
                 <a14:useLocalDpi xmlns:a14="http://schemas.microsoft.com/office/drawing/2010/main" val="0"/>
-              </a:ext>
-              <a:ext uri="{837473B0-CC2E-450A-ABE3-18F120FF3D39}">
-                <a1611:picAttrSrcUrl xmlns:a1611="http://schemas.microsoft.com/office/drawing/2016/11/main" r:id="rId3"/>
               </a:ext>
             </a:extLst>
           </a:blip>
@@ -6519,13 +6515,7 @@
       </p:pic>
       <p:sp>
         <p:nvSpPr>
-          <p:cNvPr id="4" name="Text Placeholder 3">
-            <a:extLst>
-              <a:ext uri="{FF2B5EF4-FFF2-40B4-BE49-F238E27FC236}">
-                <a16:creationId xmlns:a16="http://schemas.microsoft.com/office/drawing/2014/main" id="{67E1C93C-F4DE-46FA-4BE1-90CBBD99A727}"/>
-              </a:ext>
-            </a:extLst>
-          </p:cNvPr>
+          <p:cNvPr id="4" name="Text Placeholder 3"/>
           <p:cNvSpPr>
             <a:spLocks noGrp="1"/>
           </p:cNvSpPr>
@@ -6568,6 +6558,13 @@
               </a:rPr>
               <a:t>Security and Data Privacy</a:t>
             </a:r>
+            <a:endParaRPr lang="en-US" sz="7200" dirty="0">
+              <a:solidFill>
+                <a:schemeClr val="bg2"/>
+              </a:solidFill>
+              <a:latin typeface="Helvetica" panose="020B0604020202020204"/>
+              <a:cs typeface="Helvetica" panose="020B0604020202020204"/>
+            </a:endParaRPr>
           </a:p>
           <a:p>
             <a:pPr marL="285750" indent="-285750">
@@ -6584,6 +6581,13 @@
               </a:rPr>
               <a:t>Sustainable Tourism Development </a:t>
             </a:r>
+            <a:endParaRPr lang="en-US" sz="7200" dirty="0">
+              <a:solidFill>
+                <a:schemeClr val="bg2"/>
+              </a:solidFill>
+              <a:latin typeface="Helvetica" panose="020B0604020202020204"/>
+              <a:cs typeface="Helvetica" panose="020B0604020202020204"/>
+            </a:endParaRPr>
           </a:p>
           <a:p>
             <a:pPr marL="0" indent="0">
@@ -6599,6 +6603,13 @@
               </a:rPr>
               <a:t>Main entities:</a:t>
             </a:r>
+            <a:endParaRPr lang="en-US" sz="7200" b="1" dirty="0">
+              <a:solidFill>
+                <a:schemeClr val="bg2"/>
+              </a:solidFill>
+              <a:latin typeface="Helvetica" panose="020B0604020202020204"/>
+              <a:cs typeface="Helvetica" panose="020B0604020202020204"/>
+            </a:endParaRPr>
           </a:p>
           <a:p>
             <a:pPr marL="285750" indent="-285750">
@@ -6615,6 +6626,13 @@
               </a:rPr>
               <a:t>Tourists(ID, Name, Phone, Email, Nationality)</a:t>
             </a:r>
+            <a:endParaRPr lang="en-US" sz="7200" dirty="0">
+              <a:solidFill>
+                <a:schemeClr val="bg2"/>
+              </a:solidFill>
+              <a:latin typeface="Helvetica" panose="020B0604020202020204"/>
+              <a:cs typeface="Helvetica" panose="020B0604020202020204"/>
+            </a:endParaRPr>
           </a:p>
           <a:p>
             <a:pPr marL="285750" indent="-285750">
@@ -6631,6 +6649,13 @@
               </a:rPr>
               <a:t>Tour packages(ID, Name, price, Duration)</a:t>
             </a:r>
+            <a:endParaRPr lang="en-US" sz="7200" dirty="0">
+              <a:solidFill>
+                <a:schemeClr val="bg2"/>
+              </a:solidFill>
+              <a:latin typeface="Helvetica" panose="020B0604020202020204"/>
+              <a:cs typeface="Helvetica" panose="020B0604020202020204"/>
+            </a:endParaRPr>
           </a:p>
           <a:p>
             <a:pPr marL="285750" indent="-285750">
@@ -6647,6 +6672,13 @@
               </a:rPr>
               <a:t>Payments(ID, Booking ID, Amount, Payment status)</a:t>
             </a:r>
+            <a:endParaRPr lang="en-US" sz="7200" dirty="0">
+              <a:solidFill>
+                <a:schemeClr val="bg2"/>
+              </a:solidFill>
+              <a:latin typeface="Helvetica" panose="020B0604020202020204"/>
+              <a:cs typeface="Helvetica" panose="020B0604020202020204"/>
+            </a:endParaRPr>
           </a:p>
           <a:p>
             <a:pPr marL="285750" indent="-285750">
@@ -6663,6 +6695,13 @@
               </a:rPr>
               <a:t>Bookings (ID, Tourist ID, Package ID, Date, Payment status)</a:t>
             </a:r>
+            <a:endParaRPr lang="en-US" sz="7200" dirty="0">
+              <a:solidFill>
+                <a:schemeClr val="bg2"/>
+              </a:solidFill>
+              <a:latin typeface="Helvetica" panose="020B0604020202020204"/>
+              <a:cs typeface="Helvetica" panose="020B0604020202020204"/>
+            </a:endParaRPr>
           </a:p>
           <a:p>
             <a:pPr marL="0" indent="0">
@@ -6678,6 +6717,13 @@
               </a:rPr>
               <a:t>Relationships:</a:t>
             </a:r>
+            <a:endParaRPr lang="en-US" sz="7200" b="1" dirty="0">
+              <a:solidFill>
+                <a:schemeClr val="bg2"/>
+              </a:solidFill>
+              <a:latin typeface="Helvetica" panose="020B0604020202020204"/>
+              <a:cs typeface="Helvetica" panose="020B0604020202020204"/>
+            </a:endParaRPr>
           </a:p>
           <a:p>
             <a:pPr marL="285750" indent="-285750">
@@ -6694,6 +6740,13 @@
               </a:rPr>
               <a:t>Tourist can book multiple tour</a:t>
             </a:r>
+            <a:endParaRPr lang="en-US" sz="7200" dirty="0">
+              <a:solidFill>
+                <a:schemeClr val="bg2"/>
+              </a:solidFill>
+              <a:latin typeface="Helvetica" panose="020B0604020202020204"/>
+              <a:cs typeface="Helvetica" panose="020B0604020202020204"/>
+            </a:endParaRPr>
           </a:p>
           <a:p>
             <a:pPr marL="285750" indent="-285750">
@@ -6710,6 +6763,13 @@
               </a:rPr>
               <a:t>Tour package can have multiple bookings</a:t>
             </a:r>
+            <a:endParaRPr lang="en-US" sz="7200" dirty="0">
+              <a:solidFill>
+                <a:schemeClr val="bg2"/>
+              </a:solidFill>
+              <a:latin typeface="Helvetica" panose="020B0604020202020204"/>
+              <a:cs typeface="Helvetica" panose="020B0604020202020204"/>
+            </a:endParaRPr>
           </a:p>
           <a:p>
             <a:pPr marL="285750" indent="-285750">
@@ -6726,6 +6786,13 @@
               </a:rPr>
               <a:t>Bookings are linked to a single tourist</a:t>
             </a:r>
+            <a:endParaRPr lang="en-US" sz="7200" dirty="0">
+              <a:solidFill>
+                <a:schemeClr val="bg2"/>
+              </a:solidFill>
+              <a:latin typeface="Helvetica" panose="020B0604020202020204"/>
+              <a:cs typeface="Helvetica" panose="020B0604020202020204"/>
+            </a:endParaRPr>
           </a:p>
           <a:p>
             <a:pPr marL="285750" indent="-285750">
@@ -6742,6 +6809,13 @@
               </a:rPr>
               <a:t>Payments are made for booking</a:t>
             </a:r>
+            <a:endParaRPr lang="en-US" sz="7200" dirty="0">
+              <a:solidFill>
+                <a:schemeClr val="bg2"/>
+              </a:solidFill>
+              <a:latin typeface="Helvetica" panose="020B0604020202020204"/>
+              <a:cs typeface="Helvetica" panose="020B0604020202020204"/>
+            </a:endParaRPr>
           </a:p>
           <a:p>
             <a:pPr marL="0" indent="0">
@@ -6757,6 +6831,13 @@
               </a:rPr>
               <a:t>Benefits solution:</a:t>
             </a:r>
+            <a:endParaRPr lang="en-US" sz="7200" b="1" dirty="0">
+              <a:solidFill>
+                <a:schemeClr val="bg2"/>
+              </a:solidFill>
+              <a:latin typeface="Helvetica" panose="020B0604020202020204"/>
+              <a:cs typeface="Helvetica" panose="020B0604020202020204"/>
+            </a:endParaRPr>
           </a:p>
           <a:p>
             <a:pPr marL="285750" indent="-285750">
@@ -6773,6 +6854,13 @@
               </a:rPr>
               <a:t>Improved Security and Fraud Prevention </a:t>
             </a:r>
+            <a:endParaRPr lang="en-US" sz="7200" dirty="0">
+              <a:solidFill>
+                <a:schemeClr val="bg2"/>
+              </a:solidFill>
+              <a:latin typeface="Helvetica" panose="020B0604020202020204"/>
+              <a:cs typeface="Helvetica" panose="020B0604020202020204"/>
+            </a:endParaRPr>
           </a:p>
           <a:p>
             <a:pPr marL="285750" indent="-285750">
@@ -6789,6 +6877,13 @@
               </a:rPr>
               <a:t>Time saving and efficiency</a:t>
             </a:r>
+            <a:endParaRPr lang="en-US" sz="7200" dirty="0">
+              <a:solidFill>
+                <a:schemeClr val="bg2"/>
+              </a:solidFill>
+              <a:latin typeface="Helvetica" panose="020B0604020202020204"/>
+              <a:cs typeface="Helvetica" panose="020B0604020202020204"/>
+            </a:endParaRPr>
           </a:p>
           <a:p>
             <a:endParaRPr lang="en-US" sz="3300" dirty="0">
@@ -6814,11 +6909,946 @@
         </p:txBody>
       </p:sp>
     </p:spTree>
-    <p:extLst>
-      <p:ext uri="{BB962C8B-B14F-4D97-AF65-F5344CB8AC3E}">
-        <p14:creationId xmlns:p14="http://schemas.microsoft.com/office/powerpoint/2010/main" val="2378776757"/>
-      </p:ext>
-    </p:extLst>
+  </p:cSld>
+  <p:clrMapOvr>
+    <a:masterClrMapping/>
+  </p:clrMapOvr>
+</p:sld>
+</file>
+
+<file path=ppt/slides/slide4.xml><?xml version="1.0" encoding="utf-8"?>
+<p:sld xmlns:a="http://schemas.openxmlformats.org/drawingml/2006/main" xmlns:r="http://schemas.openxmlformats.org/officeDocument/2006/relationships" xmlns:p="http://schemas.openxmlformats.org/presentationml/2006/main">
+  <p:cSld>
+    <p:spTree>
+      <p:nvGrpSpPr>
+        <p:cNvPr id="1" name=""/>
+        <p:cNvGrpSpPr/>
+        <p:nvPr/>
+      </p:nvGrpSpPr>
+      <p:grpSpPr/>
+      <p:sp>
+        <p:nvSpPr>
+          <p:cNvPr id="2" name="Title 1"/>
+          <p:cNvSpPr>
+            <a:spLocks noGrp="1"/>
+          </p:cNvSpPr>
+          <p:nvPr>
+            <p:ph type="title"/>
+          </p:nvPr>
+        </p:nvSpPr>
+        <p:spPr/>
+        <p:txBody>
+          <a:bodyPr/>
+          <a:p>
+            <a:r>
+              <a:rPr lang="en-US" sz="1800" b="1" dirty="0">
+                <a:solidFill>
+                  <a:schemeClr val="bg2"/>
+                </a:solidFill>
+                <a:latin typeface="Helvetica" panose="020B0604020202020204"/>
+                <a:cs typeface="Helvetica" panose="020B0604020202020204"/>
+                <a:sym typeface="+mn-ea"/>
+              </a:rPr>
+              <a:t>logical MOdel DESIGN</a:t>
+            </a:r>
+            <a:br>
+              <a:rPr lang="en-US" sz="1800" b="1" dirty="0">
+                <a:solidFill>
+                  <a:schemeClr val="bg2"/>
+                </a:solidFill>
+                <a:latin typeface="Helvetica" panose="020B0604020202020204"/>
+                <a:cs typeface="Helvetica" panose="020B0604020202020204"/>
+                <a:sym typeface="+mn-ea"/>
+              </a:rPr>
+            </a:br>
+            <a:endParaRPr lang="en-US" altLang="en-US" sz="1800"/>
+          </a:p>
+        </p:txBody>
+      </p:sp>
+      <p:sp>
+        <p:nvSpPr>
+          <p:cNvPr id="4" name="Text Placeholder 3"/>
+          <p:cNvSpPr>
+            <a:spLocks noGrp="1"/>
+          </p:cNvSpPr>
+          <p:nvPr>
+            <p:ph type="body" sz="half" idx="2"/>
+          </p:nvPr>
+        </p:nvSpPr>
+        <p:spPr>
+          <a:xfrm>
+            <a:off x="685800" y="3446145"/>
+            <a:ext cx="3681095" cy="3134995"/>
+          </a:xfrm>
+        </p:spPr>
+        <p:txBody>
+          <a:bodyPr>
+            <a:normAutofit lnSpcReduction="20000"/>
+          </a:bodyPr>
+          <a:p>
+            <a:r>
+              <a:rPr lang="en-US" b="1" dirty="0">
+                <a:solidFill>
+                  <a:schemeClr val="bg2"/>
+                </a:solidFill>
+                <a:latin typeface="Helvetica" panose="020B0604020202020204"/>
+                <a:cs typeface="Helvetica" panose="020B0604020202020204"/>
+                <a:sym typeface="+mn-ea"/>
+              </a:rPr>
+              <a:t>Entities: Tourist,Tour package,Bookings,Payment</a:t>
+            </a:r>
+            <a:endParaRPr lang="en-US" b="1" dirty="0">
+              <a:solidFill>
+                <a:schemeClr val="bg2"/>
+              </a:solidFill>
+              <a:latin typeface="Helvetica" panose="020B0604020202020204"/>
+              <a:cs typeface="Helvetica" panose="020B0604020202020204"/>
+              <a:sym typeface="+mn-ea"/>
+            </a:endParaRPr>
+          </a:p>
+          <a:p>
+            <a:r>
+              <a:rPr lang="en-US" b="1" dirty="0">
+                <a:solidFill>
+                  <a:schemeClr val="bg2"/>
+                </a:solidFill>
+                <a:latin typeface="Helvetica" panose="020B0604020202020204"/>
+                <a:cs typeface="Helvetica" panose="020B0604020202020204"/>
+                <a:sym typeface="+mn-ea"/>
+              </a:rPr>
+              <a:t>Relationships:</a:t>
+            </a:r>
+            <a:endParaRPr lang="en-US" b="1" dirty="0">
+              <a:solidFill>
+                <a:schemeClr val="bg2"/>
+              </a:solidFill>
+              <a:latin typeface="Helvetica" panose="020B0604020202020204"/>
+              <a:cs typeface="Helvetica" panose="020B0604020202020204"/>
+            </a:endParaRPr>
+          </a:p>
+          <a:p>
+            <a:pPr marL="285750" indent="-285750">
+              <a:buFont typeface="Arial" panose="020B0604020202020204" pitchFamily="34" charset="0"/>
+              <a:buChar char="•"/>
+            </a:pPr>
+            <a:r>
+              <a:rPr lang="en-US" b="1" dirty="0">
+                <a:solidFill>
+                  <a:schemeClr val="bg2"/>
+                </a:solidFill>
+                <a:latin typeface="Helvetica" panose="020B0604020202020204"/>
+                <a:cs typeface="Helvetica" panose="020B0604020202020204"/>
+                <a:sym typeface="+mn-ea"/>
+              </a:rPr>
+              <a:t>Tourist-Booking: one-to-many</a:t>
+            </a:r>
+            <a:endParaRPr lang="en-US" b="1" dirty="0">
+              <a:solidFill>
+                <a:schemeClr val="bg2"/>
+              </a:solidFill>
+              <a:latin typeface="Helvetica" panose="020B0604020202020204"/>
+              <a:cs typeface="Helvetica" panose="020B0604020202020204"/>
+              <a:sym typeface="+mn-ea"/>
+            </a:endParaRPr>
+          </a:p>
+          <a:p>
+            <a:pPr marL="285750" indent="-285750">
+              <a:buFont typeface="Arial" panose="020B0604020202020204" pitchFamily="34" charset="0"/>
+              <a:buChar char="•"/>
+            </a:pPr>
+            <a:r>
+              <a:rPr lang="en-US" b="1" dirty="0">
+                <a:solidFill>
+                  <a:schemeClr val="bg2"/>
+                </a:solidFill>
+                <a:latin typeface="Helvetica" panose="020B0604020202020204"/>
+                <a:cs typeface="Helvetica" panose="020B0604020202020204"/>
+                <a:sym typeface="+mn-ea"/>
+              </a:rPr>
+              <a:t>package-Bookings: one-to-many</a:t>
+            </a:r>
+            <a:endParaRPr lang="en-US" b="1" dirty="0">
+              <a:solidFill>
+                <a:schemeClr val="bg2"/>
+              </a:solidFill>
+              <a:latin typeface="Helvetica" panose="020B0604020202020204"/>
+              <a:cs typeface="Helvetica" panose="020B0604020202020204"/>
+              <a:sym typeface="+mn-ea"/>
+            </a:endParaRPr>
+          </a:p>
+          <a:p>
+            <a:pPr marL="285750" indent="-285750">
+              <a:buFont typeface="Arial" panose="020B0604020202020204" pitchFamily="34" charset="0"/>
+              <a:buChar char="•"/>
+            </a:pPr>
+            <a:r>
+              <a:rPr lang="en-US" b="1" dirty="0">
+                <a:solidFill>
+                  <a:schemeClr val="bg2"/>
+                </a:solidFill>
+                <a:latin typeface="Helvetica" panose="020B0604020202020204"/>
+                <a:cs typeface="Helvetica" panose="020B0604020202020204"/>
+                <a:sym typeface="+mn-ea"/>
+              </a:rPr>
+              <a:t>Booking-payment: one-to-one</a:t>
+            </a:r>
+            <a:endParaRPr lang="en-US" b="1" dirty="0">
+              <a:solidFill>
+                <a:schemeClr val="bg2"/>
+              </a:solidFill>
+              <a:latin typeface="Helvetica" panose="020B0604020202020204"/>
+              <a:cs typeface="Helvetica" panose="020B0604020202020204"/>
+              <a:sym typeface="+mn-ea"/>
+            </a:endParaRPr>
+          </a:p>
+          <a:p>
+            <a:pPr>
+              <a:buFont typeface="Arial" panose="020B0604020202020204" pitchFamily="34" charset="0"/>
+            </a:pPr>
+            <a:r>
+              <a:rPr lang="en-US" b="1" dirty="0">
+                <a:solidFill>
+                  <a:schemeClr val="bg2"/>
+                </a:solidFill>
+                <a:latin typeface="Helvetica" panose="020B0604020202020204"/>
+                <a:cs typeface="Helvetica" panose="020B0604020202020204"/>
+                <a:sym typeface="+mn-ea"/>
+              </a:rPr>
+              <a:t>GOALS:</a:t>
+            </a:r>
+            <a:endParaRPr lang="en-US" b="1" dirty="0">
+              <a:solidFill>
+                <a:schemeClr val="bg2"/>
+              </a:solidFill>
+              <a:latin typeface="Helvetica" panose="020B0604020202020204"/>
+              <a:cs typeface="Helvetica" panose="020B0604020202020204"/>
+              <a:sym typeface="+mn-ea"/>
+            </a:endParaRPr>
+          </a:p>
+          <a:p>
+            <a:pPr marL="285750" indent="-285750">
+              <a:buFont typeface="Arial" panose="020B0604020202020204" pitchFamily="34" charset="0"/>
+              <a:buChar char="•"/>
+            </a:pPr>
+            <a:r>
+              <a:rPr lang="en-US" b="1" dirty="0">
+                <a:solidFill>
+                  <a:schemeClr val="bg2"/>
+                </a:solidFill>
+                <a:latin typeface="Helvetica" panose="020B0604020202020204"/>
+                <a:cs typeface="Helvetica" panose="020B0604020202020204"/>
+                <a:sym typeface="+mn-ea"/>
+              </a:rPr>
+              <a:t>simplify and automate tour bookings for tourist and agencies.</a:t>
+            </a:r>
+            <a:endParaRPr lang="en-US" b="1" dirty="0">
+              <a:solidFill>
+                <a:schemeClr val="bg2"/>
+              </a:solidFill>
+              <a:latin typeface="Helvetica" panose="020B0604020202020204"/>
+              <a:cs typeface="Helvetica" panose="020B0604020202020204"/>
+              <a:sym typeface="+mn-ea"/>
+            </a:endParaRPr>
+          </a:p>
+          <a:p>
+            <a:endParaRPr lang="en-US" b="1" dirty="0">
+              <a:solidFill>
+                <a:schemeClr val="bg2"/>
+              </a:solidFill>
+              <a:latin typeface="Helvetica" panose="020B0604020202020204"/>
+              <a:cs typeface="Helvetica" panose="020B0604020202020204"/>
+              <a:sym typeface="+mn-ea"/>
+            </a:endParaRPr>
+          </a:p>
+          <a:p>
+            <a:endParaRPr lang="en-US" altLang="en-US">
+              <a:ln>
+                <a:solidFill>
+                  <a:schemeClr val="bg1">
+                    <a:lumMod val="95000"/>
+                  </a:schemeClr>
+                </a:solidFill>
+              </a:ln>
+              <a:latin typeface="Heebo" charset="0"/>
+              <a:cs typeface="Heebo" charset="0"/>
+            </a:endParaRPr>
+          </a:p>
+        </p:txBody>
+      </p:sp>
+      <p:sp>
+        <p:nvSpPr>
+          <p:cNvPr id="6" name="Content Placeholder 5"/>
+          <p:cNvSpPr/>
+          <p:nvPr>
+            <p:ph idx="1"/>
+          </p:nvPr>
+        </p:nvSpPr>
+        <p:spPr/>
+        <p:txBody>
+          <a:bodyPr/>
+          <a:p>
+            <a:endParaRPr lang="en-US"/>
+          </a:p>
+        </p:txBody>
+      </p:sp>
+      <p:pic>
+        <p:nvPicPr>
+          <p:cNvPr id="7" name="Picture 6" descr="Database ER diagram (crow's foot)"/>
+          <p:cNvPicPr>
+            <a:picLocks noChangeAspect="1"/>
+          </p:cNvPicPr>
+          <p:nvPr/>
+        </p:nvPicPr>
+        <p:blipFill>
+          <a:blip r:embed="rId1"/>
+          <a:stretch>
+            <a:fillRect/>
+          </a:stretch>
+        </p:blipFill>
+        <p:spPr>
+          <a:xfrm>
+            <a:off x="4647565" y="609600"/>
+            <a:ext cx="6170295" cy="5257800"/>
+          </a:xfrm>
+          <a:prstGeom prst="rect">
+            <a:avLst/>
+          </a:prstGeom>
+        </p:spPr>
+      </p:pic>
+      <p:sp>
+        <p:nvSpPr>
+          <p:cNvPr id="11" name="Text Box 10"/>
+          <p:cNvSpPr txBox="1"/>
+          <p:nvPr/>
+        </p:nvSpPr>
+        <p:spPr>
+          <a:xfrm>
+            <a:off x="1303655" y="1532890"/>
+            <a:ext cx="4064000" cy="368300"/>
+          </a:xfrm>
+          <a:prstGeom prst="rect">
+            <a:avLst/>
+          </a:prstGeom>
+          <a:noFill/>
+        </p:spPr>
+        <p:txBody>
+          <a:bodyPr wrap="square" rtlCol="0">
+            <a:spAutoFit/>
+          </a:bodyPr>
+          <a:p>
+            <a:endParaRPr lang="en-US"/>
+          </a:p>
+        </p:txBody>
+      </p:sp>
+    </p:spTree>
+  </p:cSld>
+  <p:clrMapOvr>
+    <a:masterClrMapping/>
+  </p:clrMapOvr>
+</p:sld>
+</file>
+
+<file path=ppt/slides/slide5.xml><?xml version="1.0" encoding="utf-8"?>
+<p:sld xmlns:a="http://schemas.openxmlformats.org/drawingml/2006/main" xmlns:r="http://schemas.openxmlformats.org/officeDocument/2006/relationships" xmlns:p="http://schemas.openxmlformats.org/presentationml/2006/main">
+  <p:cSld>
+    <p:spTree>
+      <p:nvGrpSpPr>
+        <p:cNvPr id="1" name=""/>
+        <p:cNvGrpSpPr/>
+        <p:nvPr/>
+      </p:nvGrpSpPr>
+      <p:grpSpPr/>
+      <p:sp>
+        <p:nvSpPr>
+          <p:cNvPr id="2" name="Title 1"/>
+          <p:cNvSpPr>
+            <a:spLocks noGrp="1"/>
+          </p:cNvSpPr>
+          <p:nvPr>
+            <p:ph type="title"/>
+          </p:nvPr>
+        </p:nvSpPr>
+        <p:spPr/>
+        <p:txBody>
+          <a:bodyPr/>
+          <a:p>
+            <a:r>
+              <a:rPr lang="en-US" sz="1800" b="1" dirty="0">
+                <a:solidFill>
+                  <a:schemeClr val="bg2"/>
+                </a:solidFill>
+                <a:latin typeface="Helvetica" panose="020B0604020202020204"/>
+                <a:cs typeface="Helvetica" panose="020B0604020202020204"/>
+                <a:sym typeface="+mn-ea"/>
+              </a:rPr>
+              <a:t>dATABASE CREATION</a:t>
+            </a:r>
+            <a:br>
+              <a:rPr lang="en-US" sz="1800" b="1" dirty="0">
+                <a:solidFill>
+                  <a:schemeClr val="bg2"/>
+                </a:solidFill>
+                <a:latin typeface="Helvetica" panose="020B0604020202020204"/>
+                <a:cs typeface="Helvetica" panose="020B0604020202020204"/>
+                <a:sym typeface="+mn-ea"/>
+              </a:rPr>
+            </a:br>
+            <a:endParaRPr lang="en-US" sz="1800"/>
+          </a:p>
+        </p:txBody>
+      </p:sp>
+      <p:sp>
+        <p:nvSpPr>
+          <p:cNvPr id="3" name="Content Placeholder 2"/>
+          <p:cNvSpPr>
+            <a:spLocks noGrp="1"/>
+          </p:cNvSpPr>
+          <p:nvPr>
+            <p:ph idx="1"/>
+          </p:nvPr>
+        </p:nvSpPr>
+        <p:spPr/>
+        <p:txBody>
+          <a:bodyPr/>
+          <a:p>
+            <a:endParaRPr lang="en-US"/>
+          </a:p>
+        </p:txBody>
+      </p:sp>
+      <p:sp>
+        <p:nvSpPr>
+          <p:cNvPr id="4" name="Text Placeholder 3"/>
+          <p:cNvSpPr>
+            <a:spLocks noGrp="1"/>
+          </p:cNvSpPr>
+          <p:nvPr>
+            <p:ph type="body" sz="half" idx="2"/>
+          </p:nvPr>
+        </p:nvSpPr>
+        <p:spPr>
+          <a:xfrm>
+            <a:off x="685800" y="3446145"/>
+            <a:ext cx="3681095" cy="3039110"/>
+          </a:xfrm>
+        </p:spPr>
+        <p:txBody>
+          <a:bodyPr>
+            <a:normAutofit/>
+          </a:bodyPr>
+          <a:p>
+            <a:pPr marL="285750" indent="-285750">
+              <a:buFont typeface="Arial" panose="020B0604020202020204" pitchFamily="34" charset="0"/>
+              <a:buChar char="•"/>
+            </a:pPr>
+            <a:r>
+              <a:rPr lang="en-US" b="1" dirty="0">
+                <a:solidFill>
+                  <a:schemeClr val="bg2"/>
+                </a:solidFill>
+                <a:latin typeface="Helvetica" panose="020B0604020202020204"/>
+                <a:cs typeface="Helvetica" panose="020B0604020202020204"/>
+                <a:sym typeface="+mn-ea"/>
+              </a:rPr>
+              <a:t>Create PDB: thu_27796_christine_tourismmanagementSystem_db. I used my name as password</a:t>
+            </a:r>
+            <a:endParaRPr lang="en-US" b="1" dirty="0">
+              <a:solidFill>
+                <a:schemeClr val="bg2"/>
+              </a:solidFill>
+              <a:latin typeface="Helvetica" panose="020B0604020202020204"/>
+              <a:cs typeface="Helvetica" panose="020B0604020202020204"/>
+              <a:sym typeface="+mn-ea"/>
+            </a:endParaRPr>
+          </a:p>
+          <a:p>
+            <a:pPr marL="285750" indent="-285750">
+              <a:buFont typeface="Arial" panose="020B0604020202020204" pitchFamily="34" charset="0"/>
+              <a:buChar char="•"/>
+            </a:pPr>
+            <a:r>
+              <a:rPr lang="en-US" b="1" dirty="0">
+                <a:solidFill>
+                  <a:schemeClr val="bg2"/>
+                </a:solidFill>
+                <a:latin typeface="Helvetica" panose="020B0604020202020204"/>
+                <a:cs typeface="Helvetica" panose="020B0604020202020204"/>
+                <a:sym typeface="+mn-ea"/>
+              </a:rPr>
+              <a:t> Oracle Enterprise Manager Setup</a:t>
+            </a:r>
+            <a:endParaRPr lang="en-US" altLang="en-US"/>
+          </a:p>
+        </p:txBody>
+      </p:sp>
+      <p:pic>
+        <p:nvPicPr>
+          <p:cNvPr id="5" name="Picture 4" descr="Screenshot 2025-04-29 223818"/>
+          <p:cNvPicPr>
+            <a:picLocks noChangeAspect="1"/>
+          </p:cNvPicPr>
+          <p:nvPr/>
+        </p:nvPicPr>
+        <p:blipFill>
+          <a:blip r:embed="rId1"/>
+          <a:stretch>
+            <a:fillRect/>
+          </a:stretch>
+        </p:blipFill>
+        <p:spPr>
+          <a:xfrm>
+            <a:off x="4647565" y="609600"/>
+            <a:ext cx="6301105" cy="3171825"/>
+          </a:xfrm>
+          <a:prstGeom prst="rect">
+            <a:avLst/>
+          </a:prstGeom>
+        </p:spPr>
+      </p:pic>
+      <p:pic>
+        <p:nvPicPr>
+          <p:cNvPr id="6" name="Picture 5" descr="Screenshot 2025-05-23 123949"/>
+          <p:cNvPicPr>
+            <a:picLocks noChangeAspect="1"/>
+          </p:cNvPicPr>
+          <p:nvPr/>
+        </p:nvPicPr>
+        <p:blipFill>
+          <a:blip r:embed="rId2"/>
+          <a:stretch>
+            <a:fillRect/>
+          </a:stretch>
+        </p:blipFill>
+        <p:spPr>
+          <a:xfrm>
+            <a:off x="4648200" y="3781425"/>
+            <a:ext cx="6299835" cy="2009775"/>
+          </a:xfrm>
+          <a:prstGeom prst="rect">
+            <a:avLst/>
+          </a:prstGeom>
+        </p:spPr>
+      </p:pic>
+    </p:spTree>
+  </p:cSld>
+  <p:clrMapOvr>
+    <a:masterClrMapping/>
+  </p:clrMapOvr>
+</p:sld>
+</file>
+
+<file path=ppt/slides/slide6.xml><?xml version="1.0" encoding="utf-8"?>
+<p:sld xmlns:a="http://schemas.openxmlformats.org/drawingml/2006/main" xmlns:r="http://schemas.openxmlformats.org/officeDocument/2006/relationships" xmlns:p="http://schemas.openxmlformats.org/presentationml/2006/main">
+  <p:cSld>
+    <p:spTree>
+      <p:nvGrpSpPr>
+        <p:cNvPr id="1" name=""/>
+        <p:cNvGrpSpPr/>
+        <p:nvPr/>
+      </p:nvGrpSpPr>
+      <p:grpSpPr/>
+      <p:sp>
+        <p:nvSpPr>
+          <p:cNvPr id="2" name="Title 1"/>
+          <p:cNvSpPr>
+            <a:spLocks noGrp="1"/>
+          </p:cNvSpPr>
+          <p:nvPr>
+            <p:ph type="title"/>
+          </p:nvPr>
+        </p:nvSpPr>
+        <p:spPr/>
+        <p:txBody>
+          <a:bodyPr/>
+          <a:p>
+            <a:r>
+              <a:rPr lang="en-US" sz="1800" b="1" dirty="0">
+                <a:solidFill>
+                  <a:schemeClr val="bg2"/>
+                </a:solidFill>
+                <a:latin typeface="Helvetica" panose="020B0604020202020204"/>
+                <a:cs typeface="Helvetica" panose="020B0604020202020204"/>
+                <a:sym typeface="+mn-ea"/>
+              </a:rPr>
+              <a:t>aDVANCED database programming &amp; auditing</a:t>
+            </a:r>
+            <a:endParaRPr lang="en-US" sz="1800"/>
+          </a:p>
+        </p:txBody>
+      </p:sp>
+      <p:pic>
+        <p:nvPicPr>
+          <p:cNvPr id="5" name="Content Placeholder 4"/>
+          <p:cNvPicPr>
+            <a:picLocks noChangeAspect="1"/>
+          </p:cNvPicPr>
+          <p:nvPr>
+            <p:ph idx="1"/>
+          </p:nvPr>
+        </p:nvPicPr>
+        <p:blipFill>
+          <a:blip r:embed="rId1"/>
+          <a:stretch>
+            <a:fillRect/>
+          </a:stretch>
+        </p:blipFill>
+        <p:spPr>
+          <a:xfrm>
+            <a:off x="5992495" y="1615440"/>
+            <a:ext cx="5410200" cy="3942080"/>
+          </a:xfrm>
+          <a:prstGeom prst="rect">
+            <a:avLst/>
+          </a:prstGeom>
+        </p:spPr>
+      </p:pic>
+      <p:sp>
+        <p:nvSpPr>
+          <p:cNvPr id="4" name="Text Placeholder 3"/>
+          <p:cNvSpPr>
+            <a:spLocks noGrp="1"/>
+          </p:cNvSpPr>
+          <p:nvPr>
+            <p:ph type="body" sz="half" idx="2"/>
+          </p:nvPr>
+        </p:nvSpPr>
+        <p:spPr>
+          <a:xfrm>
+            <a:off x="685800" y="3446145"/>
+            <a:ext cx="3681095" cy="2559685"/>
+          </a:xfrm>
+        </p:spPr>
+        <p:txBody>
+          <a:bodyPr>
+            <a:normAutofit lnSpcReduction="10000"/>
+          </a:bodyPr>
+          <a:p>
+            <a:pPr marL="342900" indent="-342900">
+              <a:buFont typeface="Arial" panose="020B0604020202020204" pitchFamily="34" charset="0"/>
+              <a:buChar char="•"/>
+            </a:pPr>
+            <a:r>
+              <a:rPr lang="en-US" b="1" dirty="0">
+                <a:solidFill>
+                  <a:schemeClr val="bg2"/>
+                </a:solidFill>
+                <a:latin typeface="Helvetica" panose="020B0604020202020204"/>
+                <a:cs typeface="Helvetica" panose="020B0604020202020204"/>
+                <a:sym typeface="+mn-ea"/>
+              </a:rPr>
+              <a:t>Triggers</a:t>
+            </a:r>
+            <a:endParaRPr lang="en-US" b="1" dirty="0">
+              <a:solidFill>
+                <a:schemeClr val="bg2"/>
+              </a:solidFill>
+              <a:latin typeface="Helvetica" panose="020B0604020202020204"/>
+              <a:cs typeface="Helvetica" panose="020B0604020202020204"/>
+              <a:sym typeface="+mn-ea"/>
+            </a:endParaRPr>
+          </a:p>
+          <a:p>
+            <a:pPr>
+              <a:buFont typeface="Arial" panose="020B0604020202020204" pitchFamily="34" charset="0"/>
+            </a:pPr>
+            <a:r>
+              <a:rPr lang="en-US" b="1" dirty="0">
+                <a:solidFill>
+                  <a:schemeClr val="bg2"/>
+                </a:solidFill>
+                <a:latin typeface="Helvetica" panose="020B0604020202020204"/>
+                <a:cs typeface="Helvetica" panose="020B0604020202020204"/>
+                <a:sym typeface="+mn-ea"/>
+              </a:rPr>
+              <a:t>track changes to key tables automatically</a:t>
+            </a:r>
+            <a:endParaRPr lang="en-US" b="1" dirty="0">
+              <a:solidFill>
+                <a:schemeClr val="bg2"/>
+              </a:solidFill>
+              <a:latin typeface="Helvetica" panose="020B0604020202020204"/>
+              <a:cs typeface="Helvetica" panose="020B0604020202020204"/>
+              <a:sym typeface="+mn-ea"/>
+            </a:endParaRPr>
+          </a:p>
+          <a:p>
+            <a:pPr marL="285750" indent="-285750">
+              <a:buFont typeface="Arial" panose="020B0604020202020204" pitchFamily="34" charset="0"/>
+              <a:buChar char="•"/>
+            </a:pPr>
+            <a:r>
+              <a:rPr lang="en-US" b="1" dirty="0">
+                <a:solidFill>
+                  <a:schemeClr val="bg2"/>
+                </a:solidFill>
+                <a:latin typeface="Helvetica" panose="020B0604020202020204"/>
+                <a:cs typeface="Helvetica" panose="020B0604020202020204"/>
+                <a:sym typeface="+mn-ea"/>
+              </a:rPr>
+              <a:t>Cursors</a:t>
+            </a:r>
+            <a:endParaRPr lang="en-US" b="1" dirty="0">
+              <a:solidFill>
+                <a:schemeClr val="bg2"/>
+              </a:solidFill>
+              <a:latin typeface="Helvetica" panose="020B0604020202020204"/>
+              <a:cs typeface="Helvetica" panose="020B0604020202020204"/>
+              <a:sym typeface="+mn-ea"/>
+            </a:endParaRPr>
+          </a:p>
+          <a:p>
+            <a:pPr>
+              <a:buFont typeface="Arial" panose="020B0604020202020204" pitchFamily="34" charset="0"/>
+            </a:pPr>
+            <a:r>
+              <a:rPr lang="en-US" b="1" dirty="0">
+                <a:solidFill>
+                  <a:schemeClr val="bg2"/>
+                </a:solidFill>
+                <a:latin typeface="Helvetica" panose="020B0604020202020204"/>
+                <a:cs typeface="Helvetica" panose="020B0604020202020204"/>
+                <a:sym typeface="+mn-ea"/>
+              </a:rPr>
+              <a:t>Efficiently handle large datasets</a:t>
+            </a:r>
+            <a:endParaRPr lang="en-US" b="1" dirty="0">
+              <a:solidFill>
+                <a:schemeClr val="bg2"/>
+              </a:solidFill>
+              <a:latin typeface="Helvetica" panose="020B0604020202020204"/>
+              <a:cs typeface="Helvetica" panose="020B0604020202020204"/>
+              <a:sym typeface="+mn-ea"/>
+            </a:endParaRPr>
+          </a:p>
+          <a:p>
+            <a:pPr marL="285750" indent="-285750">
+              <a:buFont typeface="Arial" panose="020B0604020202020204" pitchFamily="34" charset="0"/>
+              <a:buChar char="•"/>
+            </a:pPr>
+            <a:r>
+              <a:rPr lang="en-US" b="1" dirty="0">
+                <a:solidFill>
+                  <a:schemeClr val="bg2"/>
+                </a:solidFill>
+                <a:latin typeface="Helvetica" panose="020B0604020202020204"/>
+                <a:cs typeface="Helvetica" panose="020B0604020202020204"/>
+                <a:sym typeface="+mn-ea"/>
+              </a:rPr>
+              <a:t>Auditing</a:t>
+            </a:r>
+            <a:endParaRPr lang="en-US" b="1" dirty="0">
+              <a:solidFill>
+                <a:schemeClr val="bg2"/>
+              </a:solidFill>
+              <a:latin typeface="Helvetica" panose="020B0604020202020204"/>
+              <a:cs typeface="Helvetica" panose="020B0604020202020204"/>
+              <a:sym typeface="+mn-ea"/>
+            </a:endParaRPr>
+          </a:p>
+          <a:p>
+            <a:pPr/>
+            <a:r>
+              <a:rPr lang="en-US" b="1" dirty="0">
+                <a:solidFill>
+                  <a:schemeClr val="bg2"/>
+                </a:solidFill>
+                <a:latin typeface="Helvetica" panose="020B0604020202020204"/>
+                <a:cs typeface="Helvetica" panose="020B0604020202020204"/>
+                <a:sym typeface="+mn-ea"/>
+              </a:rPr>
+              <a:t>Monitor changes for accountability</a:t>
+            </a:r>
+            <a:endParaRPr lang="en-US"/>
+          </a:p>
+        </p:txBody>
+      </p:sp>
+    </p:spTree>
+  </p:cSld>
+  <p:clrMapOvr>
+    <a:masterClrMapping/>
+  </p:clrMapOvr>
+</p:sld>
+</file>
+
+<file path=ppt/slides/slide7.xml><?xml version="1.0" encoding="utf-8"?>
+<p:sld xmlns:a="http://schemas.openxmlformats.org/drawingml/2006/main" xmlns:r="http://schemas.openxmlformats.org/officeDocument/2006/relationships" xmlns:p="http://schemas.openxmlformats.org/presentationml/2006/main">
+  <p:cSld>
+    <p:spTree>
+      <p:nvGrpSpPr>
+        <p:cNvPr id="1" name=""/>
+        <p:cNvGrpSpPr/>
+        <p:nvPr/>
+      </p:nvGrpSpPr>
+      <p:grpSpPr/>
+      <p:sp>
+        <p:nvSpPr>
+          <p:cNvPr id="2" name="Title 1"/>
+          <p:cNvSpPr>
+            <a:spLocks noGrp="1"/>
+          </p:cNvSpPr>
+          <p:nvPr>
+            <p:ph type="title"/>
+          </p:nvPr>
+        </p:nvSpPr>
+        <p:spPr/>
+        <p:txBody>
+          <a:bodyPr/>
+          <a:p>
+            <a:r>
+              <a:rPr lang="en-US" b="1" dirty="0">
+                <a:solidFill>
+                  <a:schemeClr val="bg2"/>
+                </a:solidFill>
+                <a:latin typeface="Helvetica" panose="020B0604020202020204"/>
+                <a:cs typeface="Helvetica" panose="020B0604020202020204"/>
+                <a:sym typeface="+mn-ea"/>
+              </a:rPr>
+              <a:t>Conclusion</a:t>
+            </a:r>
+            <a:br>
+              <a:rPr lang="en-US" b="1" dirty="0">
+                <a:solidFill>
+                  <a:schemeClr val="bg2"/>
+                </a:solidFill>
+                <a:latin typeface="Helvetica" panose="020B0604020202020204"/>
+                <a:cs typeface="Helvetica" panose="020B0604020202020204"/>
+                <a:sym typeface="+mn-ea"/>
+              </a:rPr>
+            </a:br>
+            <a:endParaRPr lang="en-US"/>
+          </a:p>
+        </p:txBody>
+      </p:sp>
+      <p:pic>
+        <p:nvPicPr>
+          <p:cNvPr id="5" name="Content Placeholder 4"/>
+          <p:cNvPicPr>
+            <a:picLocks noChangeAspect="1"/>
+          </p:cNvPicPr>
+          <p:nvPr>
+            <p:ph idx="1"/>
+          </p:nvPr>
+        </p:nvPicPr>
+        <p:blipFill>
+          <a:blip r:embed="rId1"/>
+          <a:stretch>
+            <a:fillRect/>
+          </a:stretch>
+        </p:blipFill>
+        <p:spPr>
+          <a:xfrm>
+            <a:off x="5535295" y="982345"/>
+            <a:ext cx="5053965" cy="4292600"/>
+          </a:xfrm>
+          <a:prstGeom prst="rect">
+            <a:avLst/>
+          </a:prstGeom>
+        </p:spPr>
+      </p:pic>
+      <p:sp>
+        <p:nvSpPr>
+          <p:cNvPr id="4" name="Text Placeholder 3"/>
+          <p:cNvSpPr>
+            <a:spLocks noGrp="1"/>
+          </p:cNvSpPr>
+          <p:nvPr>
+            <p:ph type="body" sz="half" idx="2"/>
+          </p:nvPr>
+        </p:nvSpPr>
+        <p:spPr/>
+        <p:txBody>
+          <a:bodyPr/>
+          <a:p>
+            <a:r>
+              <a:rPr lang="en-US" b="1" dirty="0">
+                <a:solidFill>
+                  <a:schemeClr val="bg2"/>
+                </a:solidFill>
+                <a:latin typeface="Helvetica" panose="020B0604020202020204"/>
+                <a:cs typeface="Helvetica" panose="020B0604020202020204"/>
+                <a:sym typeface="+mn-ea"/>
+              </a:rPr>
+              <a:t>The Tourism Management System simplifies tourism operations by managing bookings, payments customer data. It improves efficiency, reduces errors, and supports future digital expansion.</a:t>
+            </a:r>
+            <a:endParaRPr lang="en-US"/>
+          </a:p>
+          <a:p>
+            <a:endParaRPr lang="en-US" altLang="en-US"/>
+          </a:p>
+        </p:txBody>
+      </p:sp>
+    </p:spTree>
+  </p:cSld>
+  <p:clrMapOvr>
+    <a:masterClrMapping/>
+  </p:clrMapOvr>
+</p:sld>
+</file>
+
+<file path=ppt/slides/slide8.xml><?xml version="1.0" encoding="utf-8"?>
+<p:sld xmlns:a="http://schemas.openxmlformats.org/drawingml/2006/main" xmlns:r="http://schemas.openxmlformats.org/officeDocument/2006/relationships" xmlns:p="http://schemas.openxmlformats.org/presentationml/2006/main">
+  <p:cSld>
+    <p:spTree>
+      <p:nvGrpSpPr>
+        <p:cNvPr id="1" name=""/>
+        <p:cNvGrpSpPr/>
+        <p:nvPr/>
+      </p:nvGrpSpPr>
+      <p:grpSpPr/>
+      <p:sp>
+        <p:nvSpPr>
+          <p:cNvPr id="2" name="Title 1"/>
+          <p:cNvSpPr>
+            <a:spLocks noGrp="1"/>
+          </p:cNvSpPr>
+          <p:nvPr>
+            <p:ph type="title"/>
+          </p:nvPr>
+        </p:nvSpPr>
+        <p:spPr/>
+        <p:txBody>
+          <a:bodyPr/>
+          <a:p>
+            <a:endParaRPr lang="en-US"/>
+          </a:p>
+        </p:txBody>
+      </p:sp>
+      <p:sp>
+        <p:nvSpPr>
+          <p:cNvPr id="3" name="Content Placeholder 2"/>
+          <p:cNvSpPr>
+            <a:spLocks noGrp="1"/>
+          </p:cNvSpPr>
+          <p:nvPr>
+            <p:ph idx="1"/>
+          </p:nvPr>
+        </p:nvSpPr>
+        <p:spPr/>
+        <p:txBody>
+          <a:bodyPr/>
+          <a:p>
+            <a:endParaRPr lang="en-US"/>
+          </a:p>
+        </p:txBody>
+      </p:sp>
+      <p:sp>
+        <p:nvSpPr>
+          <p:cNvPr id="4" name="Text Placeholder 3"/>
+          <p:cNvSpPr>
+            <a:spLocks noGrp="1"/>
+          </p:cNvSpPr>
+          <p:nvPr>
+            <p:ph type="body" sz="half" idx="2"/>
+          </p:nvPr>
+        </p:nvSpPr>
+        <p:spPr/>
+        <p:txBody>
+          <a:bodyPr/>
+          <a:p>
+            <a:endParaRPr lang="en-US"/>
+          </a:p>
+        </p:txBody>
+      </p:sp>
+    </p:spTree>
   </p:cSld>
   <p:clrMapOvr>
     <a:masterClrMapping/>
@@ -6869,7 +7899,7 @@
     </a:clrScheme>
     <a:fontScheme name="Celestial">
       <a:majorFont>
-        <a:latin typeface="Calibri Light" panose="020F0302020204030204"/>
+        <a:latin typeface="Calibri Light"/>
         <a:ea typeface=""/>
         <a:cs typeface=""/>
         <a:font script="Jpan" typeface="ＭＳ Ｐゴシック"/>
@@ -6904,7 +7934,7 @@
         <a:font script="Geor" typeface="Sylfaen"/>
       </a:majorFont>
       <a:minorFont>
-        <a:latin typeface="Calibri" panose="020F0502020204030204"/>
+        <a:latin typeface="Calibri"/>
         <a:ea typeface=""/>
         <a:cs typeface=""/>
         <a:font script="Jpan" typeface="ＭＳ Ｐゴシック"/>
@@ -7060,16 +8090,16 @@
         </a:gradFill>
         <a:blipFill>
           <a:blip xmlns:r="http://schemas.openxmlformats.org/officeDocument/2006/relationships" r:embed="rId1"/>
-          <a:stretch/>
+          <a:stretch>
+            <a:fillRect/>
+          </a:stretch>
         </a:blipFill>
       </a:bgFillStyleLst>
     </a:fmtScheme>
   </a:themeElements>
-  <a:objectDefaults/>
-  <a:extraClrSchemeLst/>
   <a:extLst>
     <a:ext uri="{05A4C25C-085E-4340-85A3-A5531E510DB2}">
-      <thm15:themeFamily xmlns:thm15="http://schemas.microsoft.com/office/thememl/2012/main" name="Celestial" id="{C4BB2A3D-0E93-4C5F-B0D2-9D3FCE089CC5}" vid="{42E5908D-19A2-46FD-89FA-638B126129EF}"/>
+      <thm15:themeFamily xmlns:thm15="http://schemas.microsoft.com/office/thememl/2012/main" name="Office Theme" id="{62F939B6-93AF-4DB8-9C6B-D6C7DFDC589F}" vid="{4A3C46E8-61CC-4603-A589-7422A47A8E4A}"/>
     </a:ext>
   </a:extLst>
 </a:theme>
